--- a/主日學.pptx
+++ b/主日學.pptx
@@ -8,7 +8,7 @@
     <p:sldId id="257" r:id="rId2"/>
     <p:sldId id="258" r:id="rId3"/>
   </p:sldIdLst>
-  <p:sldSz cx="9144000" cy="6858000" type="screen4x3"/>
+  <p:sldSz cx="9144000" cy="5143500" type="screen16x9"/>
   <p:notesSz cx="6858000" cy="9144000"/>
   <p:defaultTextStyle>
     <a:defPPr>
@@ -137,8 +137,8 @@
         </p:nvSpPr>
         <p:spPr>
           <a:xfrm>
-            <a:off x="685800" y="2130425"/>
-            <a:ext cx="7772400" cy="1470025"/>
+            <a:off x="685800" y="1597819"/>
+            <a:ext cx="7772400" cy="1102519"/>
           </a:xfrm>
         </p:spPr>
         <p:txBody>
@@ -165,8 +165,8 @@
         </p:nvSpPr>
         <p:spPr>
           <a:xfrm>
-            <a:off x="1371600" y="3886200"/>
-            <a:ext cx="6400800" cy="1752600"/>
+            <a:off x="1371600" y="2914650"/>
+            <a:ext cx="6400800" cy="1314450"/>
           </a:xfrm>
         </p:spPr>
         <p:txBody>
@@ -294,7 +294,7 @@
             <a:fld id="{F8415DE4-45F4-4501-8227-F87075D8ACFD}" type="datetimeFigureOut">
               <a:rPr lang="zh-TW" altLang="en-US" smtClean="0"/>
               <a:pPr/>
-              <a:t>2018/2/18</a:t>
+              <a:t>2019/7/21</a:t>
             </a:fld>
             <a:endParaRPr lang="zh-TW" altLang="en-US"/>
           </a:p>
@@ -473,7 +473,7 @@
             <a:fld id="{F8415DE4-45F4-4501-8227-F87075D8ACFD}" type="datetimeFigureOut">
               <a:rPr lang="zh-TW" altLang="en-US" smtClean="0"/>
               <a:pPr/>
-              <a:t>2018/2/18</a:t>
+              <a:t>2019/7/21</a:t>
             </a:fld>
             <a:endParaRPr lang="zh-TW" altLang="en-US"/>
           </a:p>
@@ -567,8 +567,8 @@
         </p:nvSpPr>
         <p:spPr>
           <a:xfrm>
-            <a:off x="6629400" y="274638"/>
-            <a:ext cx="2057400" cy="5851525"/>
+            <a:off x="6629400" y="205979"/>
+            <a:ext cx="2057400" cy="4388644"/>
           </a:xfrm>
         </p:spPr>
         <p:txBody>
@@ -595,8 +595,8 @@
         </p:nvSpPr>
         <p:spPr>
           <a:xfrm>
-            <a:off x="457200" y="274638"/>
-            <a:ext cx="6019800" cy="5851525"/>
+            <a:off x="457200" y="205979"/>
+            <a:ext cx="6019800" cy="4388644"/>
           </a:xfrm>
         </p:spPr>
         <p:txBody>
@@ -662,7 +662,7 @@
             <a:fld id="{F8415DE4-45F4-4501-8227-F87075D8ACFD}" type="datetimeFigureOut">
               <a:rPr lang="zh-TW" altLang="en-US" smtClean="0"/>
               <a:pPr/>
-              <a:t>2018/2/18</a:t>
+              <a:t>2019/7/21</a:t>
             </a:fld>
             <a:endParaRPr lang="zh-TW" altLang="en-US"/>
           </a:p>
@@ -841,7 +841,7 @@
             <a:fld id="{F8415DE4-45F4-4501-8227-F87075D8ACFD}" type="datetimeFigureOut">
               <a:rPr lang="zh-TW" altLang="en-US" smtClean="0"/>
               <a:pPr/>
-              <a:t>2018/2/18</a:t>
+              <a:t>2019/7/21</a:t>
             </a:fld>
             <a:endParaRPr lang="zh-TW" altLang="en-US"/>
           </a:p>
@@ -935,8 +935,8 @@
         </p:nvSpPr>
         <p:spPr>
           <a:xfrm>
-            <a:off x="722313" y="4406900"/>
-            <a:ext cx="7772400" cy="1362075"/>
+            <a:off x="722313" y="3305176"/>
+            <a:ext cx="7772400" cy="1021556"/>
           </a:xfrm>
         </p:spPr>
         <p:txBody>
@@ -967,8 +967,8 @@
         </p:nvSpPr>
         <p:spPr>
           <a:xfrm>
-            <a:off x="722313" y="2906713"/>
-            <a:ext cx="7772400" cy="1500187"/>
+            <a:off x="722313" y="2180035"/>
+            <a:ext cx="7772400" cy="1125140"/>
           </a:xfrm>
         </p:spPr>
         <p:txBody>
@@ -1096,7 +1096,7 @@
             <a:fld id="{F8415DE4-45F4-4501-8227-F87075D8ACFD}" type="datetimeFigureOut">
               <a:rPr lang="zh-TW" altLang="en-US" smtClean="0"/>
               <a:pPr/>
-              <a:t>2018/2/18</a:t>
+              <a:t>2019/7/21</a:t>
             </a:fld>
             <a:endParaRPr lang="zh-TW" altLang="en-US"/>
           </a:p>
@@ -1213,8 +1213,8 @@
         </p:nvSpPr>
         <p:spPr>
           <a:xfrm>
-            <a:off x="457200" y="1600200"/>
-            <a:ext cx="4038600" cy="4525963"/>
+            <a:off x="457200" y="1200151"/>
+            <a:ext cx="4038600" cy="3394472"/>
           </a:xfrm>
         </p:spPr>
         <p:txBody>
@@ -1298,8 +1298,8 @@
         </p:nvSpPr>
         <p:spPr>
           <a:xfrm>
-            <a:off x="4648200" y="1600200"/>
-            <a:ext cx="4038600" cy="4525963"/>
+            <a:off x="4648200" y="1200151"/>
+            <a:ext cx="4038600" cy="3394472"/>
           </a:xfrm>
         </p:spPr>
         <p:txBody>
@@ -1393,7 +1393,7 @@
             <a:fld id="{F8415DE4-45F4-4501-8227-F87075D8ACFD}" type="datetimeFigureOut">
               <a:rPr lang="zh-TW" altLang="en-US" smtClean="0"/>
               <a:pPr/>
-              <a:t>2018/2/18</a:t>
+              <a:t>2019/7/21</a:t>
             </a:fld>
             <a:endParaRPr lang="zh-TW" altLang="en-US"/>
           </a:p>
@@ -1514,8 +1514,8 @@
         </p:nvSpPr>
         <p:spPr>
           <a:xfrm>
-            <a:off x="457200" y="1535113"/>
-            <a:ext cx="4040188" cy="639762"/>
+            <a:off x="457200" y="1151335"/>
+            <a:ext cx="4040188" cy="479822"/>
           </a:xfrm>
         </p:spPr>
         <p:txBody>
@@ -1579,8 +1579,8 @@
         </p:nvSpPr>
         <p:spPr>
           <a:xfrm>
-            <a:off x="457200" y="2174875"/>
-            <a:ext cx="4040188" cy="3951288"/>
+            <a:off x="457200" y="1631156"/>
+            <a:ext cx="4040188" cy="2963466"/>
           </a:xfrm>
         </p:spPr>
         <p:txBody>
@@ -1664,8 +1664,8 @@
         </p:nvSpPr>
         <p:spPr>
           <a:xfrm>
-            <a:off x="4645025" y="1535113"/>
-            <a:ext cx="4041775" cy="639762"/>
+            <a:off x="4645026" y="1151335"/>
+            <a:ext cx="4041775" cy="479822"/>
           </a:xfrm>
         </p:spPr>
         <p:txBody>
@@ -1729,8 +1729,8 @@
         </p:nvSpPr>
         <p:spPr>
           <a:xfrm>
-            <a:off x="4645025" y="2174875"/>
-            <a:ext cx="4041775" cy="3951288"/>
+            <a:off x="4645026" y="1631156"/>
+            <a:ext cx="4041775" cy="2963466"/>
           </a:xfrm>
         </p:spPr>
         <p:txBody>
@@ -1824,7 +1824,7 @@
             <a:fld id="{F8415DE4-45F4-4501-8227-F87075D8ACFD}" type="datetimeFigureOut">
               <a:rPr lang="zh-TW" altLang="en-US" smtClean="0"/>
               <a:pPr/>
-              <a:t>2018/2/18</a:t>
+              <a:t>2019/7/21</a:t>
             </a:fld>
             <a:endParaRPr lang="zh-TW" altLang="en-US"/>
           </a:p>
@@ -1951,7 +1951,7 @@
             <a:fld id="{F8415DE4-45F4-4501-8227-F87075D8ACFD}" type="datetimeFigureOut">
               <a:rPr lang="zh-TW" altLang="en-US" smtClean="0"/>
               <a:pPr/>
-              <a:t>2018/2/18</a:t>
+              <a:t>2019/7/21</a:t>
             </a:fld>
             <a:endParaRPr lang="zh-TW" altLang="en-US"/>
           </a:p>
@@ -2055,7 +2055,7 @@
             <a:fld id="{F8415DE4-45F4-4501-8227-F87075D8ACFD}" type="datetimeFigureOut">
               <a:rPr lang="zh-TW" altLang="en-US" smtClean="0"/>
               <a:pPr/>
-              <a:t>2018/2/18</a:t>
+              <a:t>2019/7/21</a:t>
             </a:fld>
             <a:endParaRPr lang="zh-TW" altLang="en-US"/>
           </a:p>
@@ -2149,8 +2149,8 @@
         </p:nvSpPr>
         <p:spPr>
           <a:xfrm>
-            <a:off x="457200" y="273050"/>
-            <a:ext cx="3008313" cy="1162050"/>
+            <a:off x="457201" y="204787"/>
+            <a:ext cx="3008313" cy="871538"/>
           </a:xfrm>
         </p:spPr>
         <p:txBody>
@@ -2181,8 +2181,8 @@
         </p:nvSpPr>
         <p:spPr>
           <a:xfrm>
-            <a:off x="3575050" y="273050"/>
-            <a:ext cx="5111750" cy="5853113"/>
+            <a:off x="3575050" y="204788"/>
+            <a:ext cx="5111750" cy="4389835"/>
           </a:xfrm>
         </p:spPr>
         <p:txBody>
@@ -2266,8 +2266,8 @@
         </p:nvSpPr>
         <p:spPr>
           <a:xfrm>
-            <a:off x="457200" y="1435100"/>
-            <a:ext cx="3008313" cy="4691063"/>
+            <a:off x="457201" y="1076326"/>
+            <a:ext cx="3008313" cy="3518297"/>
           </a:xfrm>
         </p:spPr>
         <p:txBody>
@@ -2341,7 +2341,7 @@
             <a:fld id="{F8415DE4-45F4-4501-8227-F87075D8ACFD}" type="datetimeFigureOut">
               <a:rPr lang="zh-TW" altLang="en-US" smtClean="0"/>
               <a:pPr/>
-              <a:t>2018/2/18</a:t>
+              <a:t>2019/7/21</a:t>
             </a:fld>
             <a:endParaRPr lang="zh-TW" altLang="en-US"/>
           </a:p>
@@ -2435,8 +2435,8 @@
         </p:nvSpPr>
         <p:spPr>
           <a:xfrm>
-            <a:off x="1792288" y="4800600"/>
-            <a:ext cx="5486400" cy="566738"/>
+            <a:off x="1792288" y="3600450"/>
+            <a:ext cx="5486400" cy="425054"/>
           </a:xfrm>
         </p:spPr>
         <p:txBody>
@@ -2467,8 +2467,8 @@
         </p:nvSpPr>
         <p:spPr>
           <a:xfrm>
-            <a:off x="1792288" y="612775"/>
-            <a:ext cx="5486400" cy="4114800"/>
+            <a:off x="1792288" y="459581"/>
+            <a:ext cx="5486400" cy="3086100"/>
           </a:xfrm>
         </p:spPr>
         <p:txBody>
@@ -2535,8 +2535,8 @@
         </p:nvSpPr>
         <p:spPr>
           <a:xfrm>
-            <a:off x="1792288" y="5367338"/>
-            <a:ext cx="5486400" cy="804862"/>
+            <a:off x="1792288" y="4025503"/>
+            <a:ext cx="5486400" cy="603647"/>
           </a:xfrm>
         </p:spPr>
         <p:txBody>
@@ -2610,7 +2610,7 @@
             <a:fld id="{F8415DE4-45F4-4501-8227-F87075D8ACFD}" type="datetimeFigureOut">
               <a:rPr lang="zh-TW" altLang="en-US" smtClean="0"/>
               <a:pPr/>
-              <a:t>2018/2/18</a:t>
+              <a:t>2019/7/21</a:t>
             </a:fld>
             <a:endParaRPr lang="zh-TW" altLang="en-US"/>
           </a:p>
@@ -2709,8 +2709,8 @@
         </p:nvSpPr>
         <p:spPr bwMode="auto">
           <a:xfrm>
-            <a:off x="457200" y="274638"/>
-            <a:ext cx="8229600" cy="1143000"/>
+            <a:off x="457200" y="205978"/>
+            <a:ext cx="8229600" cy="857250"/>
           </a:xfrm>
           <a:prstGeom prst="rect">
             <a:avLst/>
@@ -2752,8 +2752,8 @@
         </p:nvSpPr>
         <p:spPr bwMode="auto">
           <a:xfrm>
-            <a:off x="457200" y="1600200"/>
-            <a:ext cx="8229600" cy="4525963"/>
+            <a:off x="457200" y="1200151"/>
+            <a:ext cx="8229600" cy="3394472"/>
           </a:xfrm>
           <a:prstGeom prst="rect">
             <a:avLst/>
@@ -2823,8 +2823,8 @@
         </p:nvSpPr>
         <p:spPr>
           <a:xfrm>
-            <a:off x="457200" y="6356350"/>
-            <a:ext cx="2133600" cy="365125"/>
+            <a:off x="457200" y="4767263"/>
+            <a:ext cx="2133600" cy="273844"/>
           </a:xfrm>
           <a:prstGeom prst="rect">
             <a:avLst/>
@@ -2850,7 +2850,7 @@
             <a:fld id="{F8415DE4-45F4-4501-8227-F87075D8ACFD}" type="datetimeFigureOut">
               <a:rPr lang="zh-TW" altLang="en-US" smtClean="0"/>
               <a:pPr/>
-              <a:t>2018/2/18</a:t>
+              <a:t>2019/7/21</a:t>
             </a:fld>
             <a:endParaRPr lang="zh-TW" altLang="en-US"/>
           </a:p>
@@ -2868,8 +2868,8 @@
         </p:nvSpPr>
         <p:spPr>
           <a:xfrm>
-            <a:off x="3124200" y="6356350"/>
-            <a:ext cx="2895600" cy="365125"/>
+            <a:off x="3124200" y="4767263"/>
+            <a:ext cx="2895600" cy="273844"/>
           </a:xfrm>
           <a:prstGeom prst="rect">
             <a:avLst/>
@@ -2908,8 +2908,8 @@
         </p:nvSpPr>
         <p:spPr>
           <a:xfrm>
-            <a:off x="6553200" y="6356350"/>
-            <a:ext cx="2133600" cy="365125"/>
+            <a:off x="6553200" y="4767263"/>
+            <a:ext cx="2133600" cy="273844"/>
           </a:xfrm>
           <a:prstGeom prst="rect">
             <a:avLst/>
@@ -3374,8 +3374,8 @@
         </p:nvSpPr>
         <p:spPr bwMode="auto">
           <a:xfrm>
-            <a:off x="0" y="1844675"/>
-            <a:ext cx="9144000" cy="4248150"/>
+            <a:off x="0" y="1071552"/>
+            <a:ext cx="9144000" cy="3785652"/>
           </a:xfrm>
           <a:prstGeom prst="rect">
             <a:avLst/>
@@ -3396,7 +3396,7 @@
           <a:p>
             <a:pPr algn="ctr"/>
             <a:r>
-              <a:rPr kumimoji="0" lang="zh-TW" altLang="zh-TW" sz="5400" b="1" dirty="0" smtClean="0">
+              <a:rPr kumimoji="0" lang="zh-TW" altLang="zh-TW" sz="4800" b="1" dirty="0" smtClean="0">
                 <a:solidFill>
                   <a:srgbClr val="FFFF00"/>
                 </a:solidFill>
@@ -3406,7 +3406,7 @@
               <a:t>主日學</a:t>
             </a:r>
             <a:r>
-              <a:rPr kumimoji="0" lang="en-US" altLang="zh-TW" sz="5400" b="1" dirty="0" smtClean="0">
+              <a:rPr kumimoji="0" lang="en-US" altLang="zh-TW" sz="4800" b="1" dirty="0" smtClean="0">
                 <a:solidFill>
                   <a:srgbClr val="FFFF00"/>
                 </a:solidFill>
@@ -3416,7 +3416,7 @@
               <a:t>  </a:t>
             </a:r>
             <a:r>
-              <a:rPr kumimoji="0" lang="zh-TW" altLang="zh-TW" sz="5400" b="1" dirty="0" smtClean="0">
+              <a:rPr kumimoji="0" lang="zh-TW" altLang="zh-TW" sz="4800" b="1" dirty="0" smtClean="0">
                 <a:solidFill>
                   <a:srgbClr val="FFFF00"/>
                 </a:solidFill>
@@ -3425,7 +3425,7 @@
               </a:rPr>
               <a:t>主日學</a:t>
             </a:r>
-            <a:endParaRPr kumimoji="0" lang="zh-TW" altLang="en-US" sz="5400" b="1" dirty="0">
+            <a:endParaRPr kumimoji="0" lang="zh-TW" altLang="en-US" sz="4800" b="1" dirty="0">
               <a:solidFill>
                 <a:srgbClr val="FFFF00"/>
               </a:solidFill>
@@ -3436,7 +3436,7 @@
           <a:p>
             <a:pPr algn="ctr"/>
             <a:r>
-              <a:rPr kumimoji="0" lang="zh-TW" altLang="zh-TW" sz="5400" b="1" dirty="0">
+              <a:rPr kumimoji="0" lang="zh-TW" altLang="zh-TW" sz="4800" b="1" dirty="0">
                 <a:solidFill>
                   <a:srgbClr val="FFFF00"/>
                 </a:solidFill>
@@ -3446,7 +3446,7 @@
               <a:t>將聖經教導</a:t>
             </a:r>
             <a:r>
-              <a:rPr kumimoji="0" lang="zh-TW" altLang="zh-TW" sz="5400" b="1" dirty="0" smtClean="0">
+              <a:rPr kumimoji="0" lang="zh-TW" altLang="zh-TW" sz="4800" b="1" dirty="0" smtClean="0">
                 <a:solidFill>
                   <a:srgbClr val="FFFF00"/>
                 </a:solidFill>
@@ -3456,7 +3456,7 @@
               <a:t>人</a:t>
             </a:r>
             <a:r>
-              <a:rPr kumimoji="0" lang="en-US" altLang="zh-TW" sz="5400" b="1" dirty="0" smtClean="0">
+              <a:rPr kumimoji="0" lang="en-US" altLang="zh-TW" sz="4800" b="1" dirty="0" smtClean="0">
                 <a:solidFill>
                   <a:srgbClr val="FFFF00"/>
                 </a:solidFill>
@@ -3466,7 +3466,7 @@
               <a:t>  </a:t>
             </a:r>
             <a:r>
-              <a:rPr kumimoji="0" lang="zh-TW" altLang="zh-TW" sz="5400" b="1" dirty="0" smtClean="0">
+              <a:rPr kumimoji="0" lang="zh-TW" altLang="zh-TW" sz="4800" b="1" dirty="0" smtClean="0">
                 <a:solidFill>
                   <a:srgbClr val="FFFF00"/>
                 </a:solidFill>
@@ -3475,7 +3475,7 @@
               </a:rPr>
               <a:t>老年人</a:t>
             </a:r>
-            <a:endParaRPr lang="en-US" altLang="zh-TW" sz="5400" b="1" dirty="0">
+            <a:endParaRPr lang="en-US" altLang="zh-TW" sz="4800" b="1" dirty="0">
               <a:solidFill>
                 <a:srgbClr val="FFFF00"/>
               </a:solidFill>
@@ -3486,7 +3486,7 @@
           <a:p>
             <a:pPr algn="ctr"/>
             <a:r>
-              <a:rPr kumimoji="0" lang="zh-TW" altLang="zh-TW" sz="5400" b="1" dirty="0" smtClean="0">
+              <a:rPr kumimoji="0" lang="zh-TW" altLang="zh-TW" sz="4800" b="1" dirty="0" smtClean="0">
                 <a:solidFill>
                   <a:srgbClr val="FFFF00"/>
                 </a:solidFill>
@@ -3496,7 +3496,7 @@
               <a:t>少年人</a:t>
             </a:r>
             <a:r>
-              <a:rPr kumimoji="0" lang="zh-TW" altLang="zh-TW" sz="5400" b="1" dirty="0">
+              <a:rPr kumimoji="0" lang="zh-TW" altLang="zh-TW" sz="4800" b="1" dirty="0">
                 <a:solidFill>
                   <a:srgbClr val="FFFF00"/>
                 </a:solidFill>
@@ -3506,7 +3506,7 @@
               <a:t>來與真理</a:t>
             </a:r>
             <a:r>
-              <a:rPr kumimoji="0" lang="zh-TW" altLang="zh-TW" sz="5400" b="1" dirty="0" smtClean="0">
+              <a:rPr kumimoji="0" lang="zh-TW" altLang="zh-TW" sz="4800" b="1" dirty="0" smtClean="0">
                 <a:solidFill>
                   <a:srgbClr val="FFFF00"/>
                 </a:solidFill>
@@ -3515,7 +3515,7 @@
               </a:rPr>
               <a:t>親近</a:t>
             </a:r>
-            <a:endParaRPr kumimoji="0" lang="zh-TW" altLang="en-US" sz="5400" b="1" dirty="0">
+            <a:endParaRPr kumimoji="0" lang="zh-TW" altLang="en-US" sz="4800" b="1" dirty="0">
               <a:solidFill>
                 <a:srgbClr val="FFFF00"/>
               </a:solidFill>
@@ -3526,7 +3526,7 @@
           <a:p>
             <a:pPr algn="ctr"/>
             <a:r>
-              <a:rPr kumimoji="0" lang="zh-TW" altLang="zh-TW" sz="5400" b="1" dirty="0">
+              <a:rPr kumimoji="0" lang="zh-TW" altLang="zh-TW" sz="4800" b="1" dirty="0">
                 <a:solidFill>
                   <a:srgbClr val="FFFF00"/>
                 </a:solidFill>
@@ -3536,7 +3536,7 @@
               <a:t>兄弟妹相關心齊勉勵見</a:t>
             </a:r>
             <a:r>
-              <a:rPr kumimoji="0" lang="zh-TW" altLang="zh-TW" sz="5400" b="1" dirty="0" smtClean="0">
+              <a:rPr kumimoji="0" lang="zh-TW" altLang="zh-TW" sz="4800" b="1" dirty="0" smtClean="0">
                 <a:solidFill>
                   <a:srgbClr val="FFFF00"/>
                 </a:solidFill>
@@ -3545,7 +3545,7 @@
               </a:rPr>
               <a:t>真心</a:t>
             </a:r>
-            <a:endParaRPr kumimoji="0" lang="en-US" altLang="zh-TW" sz="5400" b="1" dirty="0" smtClean="0">
+            <a:endParaRPr kumimoji="0" lang="en-US" altLang="zh-TW" sz="4800" b="1" dirty="0" smtClean="0">
               <a:solidFill>
                 <a:srgbClr val="FFFF00"/>
               </a:solidFill>
@@ -3556,7 +3556,7 @@
           <a:p>
             <a:pPr algn="ctr"/>
             <a:r>
-              <a:rPr kumimoji="0" lang="zh-TW" altLang="zh-TW" sz="5400" b="1" dirty="0" smtClean="0">
+              <a:rPr kumimoji="0" lang="zh-TW" altLang="zh-TW" sz="4800" b="1" dirty="0" smtClean="0">
                 <a:solidFill>
                   <a:srgbClr val="FFFF00"/>
                 </a:solidFill>
@@ -3566,7 +3566,7 @@
               <a:t>一起</a:t>
             </a:r>
             <a:r>
-              <a:rPr kumimoji="0" lang="zh-TW" altLang="zh-TW" sz="5400" b="1" dirty="0">
+              <a:rPr kumimoji="0" lang="zh-TW" altLang="zh-TW" sz="4800" b="1" dirty="0">
                 <a:solidFill>
                   <a:srgbClr val="FFFF00"/>
                 </a:solidFill>
@@ -3576,7 +3576,7 @@
               <a:t>哼出歡樂</a:t>
             </a:r>
             <a:r>
-              <a:rPr kumimoji="0" lang="zh-TW" altLang="zh-TW" sz="5400" b="1" dirty="0" smtClean="0">
+              <a:rPr kumimoji="0" lang="zh-TW" altLang="zh-TW" sz="4800" b="1" dirty="0" smtClean="0">
                 <a:solidFill>
                   <a:srgbClr val="FFFF00"/>
                 </a:solidFill>
@@ -3585,7 +3585,7 @@
               </a:rPr>
               <a:t>音韻</a:t>
             </a:r>
-            <a:endParaRPr kumimoji="0" lang="zh-TW" altLang="en-US" sz="5400" b="1" dirty="0">
+            <a:endParaRPr kumimoji="0" lang="zh-TW" altLang="en-US" sz="4800" b="1" dirty="0">
               <a:solidFill>
                 <a:srgbClr val="FFFF00"/>
               </a:solidFill>
@@ -3605,8 +3605,8 @@
         </p:nvSpPr>
         <p:spPr bwMode="auto">
           <a:xfrm>
-            <a:off x="3203575" y="476250"/>
-            <a:ext cx="2311400" cy="831850"/>
+            <a:off x="0" y="214296"/>
+            <a:ext cx="9144000" cy="769441"/>
           </a:xfrm>
           <a:prstGeom prst="rect">
             <a:avLst/>
@@ -3620,13 +3620,14 @@
           </a:ln>
         </p:spPr>
         <p:txBody>
-          <a:bodyPr>
+          <a:bodyPr wrap="square">
             <a:spAutoFit/>
           </a:bodyPr>
           <a:lstStyle/>
           <a:p>
-            <a:r>
-              <a:rPr kumimoji="0" lang="zh-TW" altLang="zh-TW" sz="4800" b="1" dirty="0">
+            <a:pPr algn="ctr"/>
+            <a:r>
+              <a:rPr lang="zh-TW" altLang="zh-TW" sz="4400" b="1" dirty="0" smtClean="0">
                 <a:solidFill>
                   <a:srgbClr val="FFFF00"/>
                 </a:solidFill>
@@ -3635,7 +3636,10 @@
               </a:rPr>
               <a:t>主日學</a:t>
             </a:r>
-            <a:endParaRPr kumimoji="0" lang="zh-TW" altLang="en-US" sz="4800" b="1" dirty="0">
+            <a:endParaRPr lang="zh-TW" altLang="en-US" sz="4400" b="1" dirty="0">
+              <a:solidFill>
+                <a:srgbClr val="FFFF00"/>
+              </a:solidFill>
               <a:latin typeface="標楷體" pitchFamily="65" charset="-120"/>
               <a:ea typeface="標楷體" pitchFamily="65" charset="-120"/>
             </a:endParaRPr>
@@ -3693,8 +3697,8 @@
         </p:nvSpPr>
         <p:spPr bwMode="auto">
           <a:xfrm>
-            <a:off x="0" y="785794"/>
-            <a:ext cx="9144000" cy="5078313"/>
+            <a:off x="0" y="285734"/>
+            <a:ext cx="9144000" cy="4524315"/>
           </a:xfrm>
           <a:prstGeom prst="rect">
             <a:avLst/>
@@ -3715,7 +3719,7 @@
           <a:p>
             <a:pPr algn="ctr"/>
             <a:r>
-              <a:rPr lang="zh-TW" altLang="en-US" sz="5400" b="1" dirty="0">
+              <a:rPr lang="zh-TW" altLang="en-US" sz="4800" b="1" dirty="0">
                 <a:solidFill>
                   <a:srgbClr val="FFFF00"/>
                 </a:solidFill>
@@ -3728,7 +3732,7 @@
           <a:p>
             <a:pPr algn="ctr"/>
             <a:r>
-              <a:rPr lang="zh-TW" altLang="en-US" sz="5400" b="1" dirty="0">
+              <a:rPr lang="zh-TW" altLang="en-US" sz="4800" b="1" dirty="0">
                 <a:solidFill>
                   <a:srgbClr val="FFFF00"/>
                 </a:solidFill>
@@ -3738,7 +3742,7 @@
               <a:t>聽祂愛的</a:t>
             </a:r>
             <a:r>
-              <a:rPr lang="zh-TW" altLang="en-US" sz="5400" b="1" dirty="0" smtClean="0">
+              <a:rPr lang="zh-TW" altLang="en-US" sz="4800" b="1" dirty="0" smtClean="0">
                 <a:solidFill>
                   <a:srgbClr val="FFFF00"/>
                 </a:solidFill>
@@ -3747,7 +3751,7 @@
               </a:rPr>
               <a:t>教訓</a:t>
             </a:r>
-            <a:endParaRPr lang="zh-TW" altLang="en-US" sz="5400" b="1" dirty="0">
+            <a:endParaRPr lang="zh-TW" altLang="en-US" sz="4800" b="1" dirty="0">
               <a:solidFill>
                 <a:srgbClr val="FFFF00"/>
               </a:solidFill>
@@ -3758,7 +3762,7 @@
           <a:p>
             <a:pPr algn="ctr"/>
             <a:r>
-              <a:rPr lang="zh-TW" altLang="en-US" sz="5400" b="1" dirty="0">
+              <a:rPr lang="zh-TW" altLang="en-US" sz="4800" b="1" dirty="0">
                 <a:solidFill>
                   <a:srgbClr val="FFFF00"/>
                 </a:solidFill>
@@ -3768,7 +3772,7 @@
               <a:t>硏究聖經不了解最緊要去</a:t>
             </a:r>
             <a:r>
-              <a:rPr lang="zh-TW" altLang="en-US" sz="5400" b="1" dirty="0" smtClean="0">
+              <a:rPr lang="zh-TW" altLang="en-US" sz="4800" b="1" dirty="0" smtClean="0">
                 <a:solidFill>
                   <a:srgbClr val="FFFF00"/>
                 </a:solidFill>
@@ -3777,7 +3781,7 @@
               </a:rPr>
               <a:t>問</a:t>
             </a:r>
-            <a:endParaRPr lang="zh-TW" altLang="en-US" sz="5400" b="1" dirty="0">
+            <a:endParaRPr lang="zh-TW" altLang="en-US" sz="4800" b="1" dirty="0">
               <a:solidFill>
                 <a:srgbClr val="FFFF00"/>
               </a:solidFill>
@@ -3788,7 +3792,7 @@
           <a:p>
             <a:pPr algn="ctr"/>
             <a:r>
-              <a:rPr lang="zh-TW" altLang="en-US" sz="5400" b="1" dirty="0">
+              <a:rPr lang="zh-TW" altLang="en-US" sz="4800" b="1" dirty="0">
                 <a:solidFill>
                   <a:srgbClr val="FFFF00"/>
                 </a:solidFill>
@@ -3798,7 +3802,7 @@
               <a:t>做個做個做個做個好</a:t>
             </a:r>
             <a:r>
-              <a:rPr lang="zh-TW" altLang="en-US" sz="5400" b="1" dirty="0" smtClean="0">
+              <a:rPr lang="zh-TW" altLang="en-US" sz="4800" b="1" dirty="0" smtClean="0">
                 <a:solidFill>
                   <a:srgbClr val="FFFF00"/>
                 </a:solidFill>
@@ -3807,7 +3811,7 @@
               </a:rPr>
               <a:t>學生</a:t>
             </a:r>
-            <a:endParaRPr lang="zh-TW" altLang="en-US" sz="5400" b="1" dirty="0">
+            <a:endParaRPr lang="zh-TW" altLang="en-US" sz="4800" b="1" dirty="0">
               <a:solidFill>
                 <a:srgbClr val="FFFF00"/>
               </a:solidFill>
@@ -3818,7 +3822,7 @@
           <a:p>
             <a:pPr algn="ctr"/>
             <a:r>
-              <a:rPr lang="zh-TW" altLang="en-US" sz="5400" b="1" dirty="0">
+              <a:rPr lang="zh-TW" altLang="en-US" sz="4800" b="1" dirty="0">
                 <a:solidFill>
                   <a:srgbClr val="FFFF00"/>
                 </a:solidFill>
@@ -3828,7 +3832,7 @@
               <a:t>遵主旨意作快樂</a:t>
             </a:r>
             <a:r>
-              <a:rPr lang="zh-TW" altLang="en-US" sz="5400" b="1" dirty="0" smtClean="0">
+              <a:rPr lang="zh-TW" altLang="en-US" sz="4800" b="1" dirty="0" smtClean="0">
                 <a:solidFill>
                   <a:srgbClr val="FFFF00"/>
                 </a:solidFill>
@@ -3837,7 +3841,7 @@
               </a:rPr>
               <a:t>人</a:t>
             </a:r>
-            <a:endParaRPr lang="zh-TW" altLang="en-US" sz="5400" b="1" dirty="0">
+            <a:endParaRPr lang="zh-TW" altLang="en-US" sz="4800" b="1" dirty="0">
               <a:solidFill>
                 <a:srgbClr val="FFFF00"/>
               </a:solidFill>
@@ -3848,7 +3852,7 @@
           <a:p>
             <a:pPr algn="ctr"/>
             <a:r>
-              <a:rPr lang="zh-TW" altLang="en-US" sz="5400" b="1" dirty="0">
+              <a:rPr lang="zh-TW" altLang="en-US" sz="4800" b="1" dirty="0">
                 <a:solidFill>
                   <a:srgbClr val="FFFF00"/>
                 </a:solidFill>
@@ -3858,7 +3862,7 @@
               <a:t>完全</a:t>
             </a:r>
             <a:r>
-              <a:rPr lang="zh-TW" altLang="en-US" sz="5400" b="1" dirty="0" smtClean="0">
+              <a:rPr lang="zh-TW" altLang="en-US" sz="4800" b="1" dirty="0" smtClean="0">
                 <a:solidFill>
                   <a:srgbClr val="FFFF00"/>
                 </a:solidFill>
@@ -3868,7 +3872,7 @@
               <a:t>奉獻  步</a:t>
             </a:r>
             <a:r>
-              <a:rPr lang="zh-TW" altLang="en-US" sz="5400" b="1" dirty="0">
+              <a:rPr lang="zh-TW" altLang="en-US" sz="4800" b="1" dirty="0">
                 <a:solidFill>
                   <a:srgbClr val="FFFF00"/>
                 </a:solidFill>
@@ -3878,7 +3882,7 @@
               <a:t>向</a:t>
             </a:r>
             <a:r>
-              <a:rPr lang="zh-TW" altLang="en-US" sz="5400" b="1" dirty="0" smtClean="0">
+              <a:rPr lang="zh-TW" altLang="en-US" sz="4800" b="1" dirty="0" smtClean="0">
                 <a:solidFill>
                   <a:srgbClr val="FFFF00"/>
                 </a:solidFill>
@@ -3887,10 +3891,11 @@
               </a:rPr>
               <a:t>永生</a:t>
             </a:r>
-            <a:endParaRPr lang="zh-TW" altLang="en-US" sz="5400" b="1" dirty="0">
+            <a:endParaRPr lang="zh-TW" altLang="en-US" sz="4800" b="1" dirty="0">
               <a:solidFill>
                 <a:srgbClr val="FFFF00"/>
               </a:solidFill>
+              <a:latin typeface="標楷體" pitchFamily="65" charset="-120"/>
               <a:ea typeface="標楷體" pitchFamily="65" charset="-120"/>
             </a:endParaRPr>
           </a:p>

--- a/主日學.pptx
+++ b/主日學.pptx
@@ -105,6 +105,22 @@
       </a:defRPr>
     </a:lvl9pPr>
   </p:defaultTextStyle>
+  <p:extLst>
+    <p:ext uri="{EFAFB233-063F-42B5-8137-9DF3F51BA10A}">
+      <p15:sldGuideLst xmlns:p15="http://schemas.microsoft.com/office/powerpoint/2012/main">
+        <p15:guide id="1" orient="horz" pos="1620">
+          <p15:clr>
+            <a:srgbClr val="A4A3A4"/>
+          </p15:clr>
+        </p15:guide>
+        <p15:guide id="2" pos="2880">
+          <p15:clr>
+            <a:srgbClr val="A4A3A4"/>
+          </p15:clr>
+        </p15:guide>
+      </p15:sldGuideLst>
+    </p:ext>
+  </p:extLst>
 </p:presentation>
 </file>
 
@@ -294,7 +310,7 @@
             <a:fld id="{F8415DE4-45F4-4501-8227-F87075D8ACFD}" type="datetimeFigureOut">
               <a:rPr lang="zh-TW" altLang="en-US" smtClean="0"/>
               <a:pPr/>
-              <a:t>2019/7/21</a:t>
+              <a:t>2019/10/6</a:t>
             </a:fld>
             <a:endParaRPr lang="zh-TW" altLang="en-US"/>
           </a:p>
@@ -473,7 +489,7 @@
             <a:fld id="{F8415DE4-45F4-4501-8227-F87075D8ACFD}" type="datetimeFigureOut">
               <a:rPr lang="zh-TW" altLang="en-US" smtClean="0"/>
               <a:pPr/>
-              <a:t>2019/7/21</a:t>
+              <a:t>2019/10/6</a:t>
             </a:fld>
             <a:endParaRPr lang="zh-TW" altLang="en-US"/>
           </a:p>
@@ -662,7 +678,7 @@
             <a:fld id="{F8415DE4-45F4-4501-8227-F87075D8ACFD}" type="datetimeFigureOut">
               <a:rPr lang="zh-TW" altLang="en-US" smtClean="0"/>
               <a:pPr/>
-              <a:t>2019/7/21</a:t>
+              <a:t>2019/10/6</a:t>
             </a:fld>
             <a:endParaRPr lang="zh-TW" altLang="en-US"/>
           </a:p>
@@ -841,7 +857,7 @@
             <a:fld id="{F8415DE4-45F4-4501-8227-F87075D8ACFD}" type="datetimeFigureOut">
               <a:rPr lang="zh-TW" altLang="en-US" smtClean="0"/>
               <a:pPr/>
-              <a:t>2019/7/21</a:t>
+              <a:t>2019/10/6</a:t>
             </a:fld>
             <a:endParaRPr lang="zh-TW" altLang="en-US"/>
           </a:p>
@@ -1096,7 +1112,7 @@
             <a:fld id="{F8415DE4-45F4-4501-8227-F87075D8ACFD}" type="datetimeFigureOut">
               <a:rPr lang="zh-TW" altLang="en-US" smtClean="0"/>
               <a:pPr/>
-              <a:t>2019/7/21</a:t>
+              <a:t>2019/10/6</a:t>
             </a:fld>
             <a:endParaRPr lang="zh-TW" altLang="en-US"/>
           </a:p>
@@ -1393,7 +1409,7 @@
             <a:fld id="{F8415DE4-45F4-4501-8227-F87075D8ACFD}" type="datetimeFigureOut">
               <a:rPr lang="zh-TW" altLang="en-US" smtClean="0"/>
               <a:pPr/>
-              <a:t>2019/7/21</a:t>
+              <a:t>2019/10/6</a:t>
             </a:fld>
             <a:endParaRPr lang="zh-TW" altLang="en-US"/>
           </a:p>
@@ -1824,7 +1840,7 @@
             <a:fld id="{F8415DE4-45F4-4501-8227-F87075D8ACFD}" type="datetimeFigureOut">
               <a:rPr lang="zh-TW" altLang="en-US" smtClean="0"/>
               <a:pPr/>
-              <a:t>2019/7/21</a:t>
+              <a:t>2019/10/6</a:t>
             </a:fld>
             <a:endParaRPr lang="zh-TW" altLang="en-US"/>
           </a:p>
@@ -1951,7 +1967,7 @@
             <a:fld id="{F8415DE4-45F4-4501-8227-F87075D8ACFD}" type="datetimeFigureOut">
               <a:rPr lang="zh-TW" altLang="en-US" smtClean="0"/>
               <a:pPr/>
-              <a:t>2019/7/21</a:t>
+              <a:t>2019/10/6</a:t>
             </a:fld>
             <a:endParaRPr lang="zh-TW" altLang="en-US"/>
           </a:p>
@@ -2055,7 +2071,7 @@
             <a:fld id="{F8415DE4-45F4-4501-8227-F87075D8ACFD}" type="datetimeFigureOut">
               <a:rPr lang="zh-TW" altLang="en-US" smtClean="0"/>
               <a:pPr/>
-              <a:t>2019/7/21</a:t>
+              <a:t>2019/10/6</a:t>
             </a:fld>
             <a:endParaRPr lang="zh-TW" altLang="en-US"/>
           </a:p>
@@ -2341,7 +2357,7 @@
             <a:fld id="{F8415DE4-45F4-4501-8227-F87075D8ACFD}" type="datetimeFigureOut">
               <a:rPr lang="zh-TW" altLang="en-US" smtClean="0"/>
               <a:pPr/>
-              <a:t>2019/7/21</a:t>
+              <a:t>2019/10/6</a:t>
             </a:fld>
             <a:endParaRPr lang="zh-TW" altLang="en-US"/>
           </a:p>
@@ -2610,7 +2626,7 @@
             <a:fld id="{F8415DE4-45F4-4501-8227-F87075D8ACFD}" type="datetimeFigureOut">
               <a:rPr lang="zh-TW" altLang="en-US" smtClean="0"/>
               <a:pPr/>
-              <a:t>2019/7/21</a:t>
+              <a:t>2019/10/6</a:t>
             </a:fld>
             <a:endParaRPr lang="zh-TW" altLang="en-US"/>
           </a:p>
@@ -2850,7 +2866,7 @@
             <a:fld id="{F8415DE4-45F4-4501-8227-F87075D8ACFD}" type="datetimeFigureOut">
               <a:rPr lang="zh-TW" altLang="en-US" smtClean="0"/>
               <a:pPr/>
-              <a:t>2019/7/21</a:t>
+              <a:t>2019/10/6</a:t>
             </a:fld>
             <a:endParaRPr lang="zh-TW" altLang="en-US"/>
           </a:p>

--- a/主日學.pptx
+++ b/主日學.pptx
@@ -6,7 +6,8 @@
   </p:sldMasterIdLst>
   <p:sldIdLst>
     <p:sldId id="257" r:id="rId2"/>
-    <p:sldId id="258" r:id="rId3"/>
+    <p:sldId id="259" r:id="rId3"/>
+    <p:sldId id="260" r:id="rId4"/>
   </p:sldIdLst>
   <p:sldSz cx="9144000" cy="5143500" type="screen16x9"/>
   <p:notesSz cx="6858000" cy="9144000"/>
@@ -310,7 +311,7 @@
             <a:fld id="{F8415DE4-45F4-4501-8227-F87075D8ACFD}" type="datetimeFigureOut">
               <a:rPr lang="zh-TW" altLang="en-US" smtClean="0"/>
               <a:pPr/>
-              <a:t>2019/10/6</a:t>
+              <a:t>2020/1/4</a:t>
             </a:fld>
             <a:endParaRPr lang="zh-TW" altLang="en-US"/>
           </a:p>
@@ -489,7 +490,7 @@
             <a:fld id="{F8415DE4-45F4-4501-8227-F87075D8ACFD}" type="datetimeFigureOut">
               <a:rPr lang="zh-TW" altLang="en-US" smtClean="0"/>
               <a:pPr/>
-              <a:t>2019/10/6</a:t>
+              <a:t>2020/1/4</a:t>
             </a:fld>
             <a:endParaRPr lang="zh-TW" altLang="en-US"/>
           </a:p>
@@ -678,7 +679,7 @@
             <a:fld id="{F8415DE4-45F4-4501-8227-F87075D8ACFD}" type="datetimeFigureOut">
               <a:rPr lang="zh-TW" altLang="en-US" smtClean="0"/>
               <a:pPr/>
-              <a:t>2019/10/6</a:t>
+              <a:t>2020/1/4</a:t>
             </a:fld>
             <a:endParaRPr lang="zh-TW" altLang="en-US"/>
           </a:p>
@@ -857,7 +858,7 @@
             <a:fld id="{F8415DE4-45F4-4501-8227-F87075D8ACFD}" type="datetimeFigureOut">
               <a:rPr lang="zh-TW" altLang="en-US" smtClean="0"/>
               <a:pPr/>
-              <a:t>2019/10/6</a:t>
+              <a:t>2020/1/4</a:t>
             </a:fld>
             <a:endParaRPr lang="zh-TW" altLang="en-US"/>
           </a:p>
@@ -1112,7 +1113,7 @@
             <a:fld id="{F8415DE4-45F4-4501-8227-F87075D8ACFD}" type="datetimeFigureOut">
               <a:rPr lang="zh-TW" altLang="en-US" smtClean="0"/>
               <a:pPr/>
-              <a:t>2019/10/6</a:t>
+              <a:t>2020/1/4</a:t>
             </a:fld>
             <a:endParaRPr lang="zh-TW" altLang="en-US"/>
           </a:p>
@@ -1409,7 +1410,7 @@
             <a:fld id="{F8415DE4-45F4-4501-8227-F87075D8ACFD}" type="datetimeFigureOut">
               <a:rPr lang="zh-TW" altLang="en-US" smtClean="0"/>
               <a:pPr/>
-              <a:t>2019/10/6</a:t>
+              <a:t>2020/1/4</a:t>
             </a:fld>
             <a:endParaRPr lang="zh-TW" altLang="en-US"/>
           </a:p>
@@ -1840,7 +1841,7 @@
             <a:fld id="{F8415DE4-45F4-4501-8227-F87075D8ACFD}" type="datetimeFigureOut">
               <a:rPr lang="zh-TW" altLang="en-US" smtClean="0"/>
               <a:pPr/>
-              <a:t>2019/10/6</a:t>
+              <a:t>2020/1/4</a:t>
             </a:fld>
             <a:endParaRPr lang="zh-TW" altLang="en-US"/>
           </a:p>
@@ -1967,7 +1968,7 @@
             <a:fld id="{F8415DE4-45F4-4501-8227-F87075D8ACFD}" type="datetimeFigureOut">
               <a:rPr lang="zh-TW" altLang="en-US" smtClean="0"/>
               <a:pPr/>
-              <a:t>2019/10/6</a:t>
+              <a:t>2020/1/4</a:t>
             </a:fld>
             <a:endParaRPr lang="zh-TW" altLang="en-US"/>
           </a:p>
@@ -2071,7 +2072,7 @@
             <a:fld id="{F8415DE4-45F4-4501-8227-F87075D8ACFD}" type="datetimeFigureOut">
               <a:rPr lang="zh-TW" altLang="en-US" smtClean="0"/>
               <a:pPr/>
-              <a:t>2019/10/6</a:t>
+              <a:t>2020/1/4</a:t>
             </a:fld>
             <a:endParaRPr lang="zh-TW" altLang="en-US"/>
           </a:p>
@@ -2357,7 +2358,7 @@
             <a:fld id="{F8415DE4-45F4-4501-8227-F87075D8ACFD}" type="datetimeFigureOut">
               <a:rPr lang="zh-TW" altLang="en-US" smtClean="0"/>
               <a:pPr/>
-              <a:t>2019/10/6</a:t>
+              <a:t>2020/1/4</a:t>
             </a:fld>
             <a:endParaRPr lang="zh-TW" altLang="en-US"/>
           </a:p>
@@ -2626,7 +2627,7 @@
             <a:fld id="{F8415DE4-45F4-4501-8227-F87075D8ACFD}" type="datetimeFigureOut">
               <a:rPr lang="zh-TW" altLang="en-US" smtClean="0"/>
               <a:pPr/>
-              <a:t>2019/10/6</a:t>
+              <a:t>2020/1/4</a:t>
             </a:fld>
             <a:endParaRPr lang="zh-TW" altLang="en-US"/>
           </a:p>
@@ -2695,9 +2696,18 @@
 <p:sldMaster xmlns:a="http://schemas.openxmlformats.org/drawingml/2006/main" xmlns:r="http://schemas.openxmlformats.org/officeDocument/2006/relationships" xmlns:p="http://schemas.openxmlformats.org/presentationml/2006/main">
   <p:cSld>
     <p:bg>
-      <p:bgRef idx="1001">
-        <a:schemeClr val="bg1"/>
-      </p:bgRef>
+      <p:bgPr>
+        <a:blipFill dpi="0" rotWithShape="1">
+          <a:blip r:embed="rId13">
+            <a:lum/>
+          </a:blip>
+          <a:srcRect/>
+          <a:stretch>
+            <a:fillRect/>
+          </a:stretch>
+        </a:blipFill>
+        <a:effectLst/>
+      </p:bgPr>
     </p:bg>
     <p:spTree>
       <p:nvGrpSpPr>
@@ -2866,7 +2876,7 @@
             <a:fld id="{F8415DE4-45F4-4501-8227-F87075D8ACFD}" type="datetimeFigureOut">
               <a:rPr lang="zh-TW" altLang="en-US" smtClean="0"/>
               <a:pPr/>
-              <a:t>2019/10/6</a:t>
+              <a:t>2020/1/4</a:t>
             </a:fld>
             <a:endParaRPr lang="zh-TW" altLang="en-US"/>
           </a:p>
@@ -3358,14 +3368,6 @@
 <file path=ppt/slides/slide1.xml><?xml version="1.0" encoding="utf-8"?>
 <p:sld xmlns:a="http://schemas.openxmlformats.org/drawingml/2006/main" xmlns:r="http://schemas.openxmlformats.org/officeDocument/2006/relationships" xmlns:p="http://schemas.openxmlformats.org/presentationml/2006/main">
   <p:cSld>
-    <p:bg>
-      <p:bgPr>
-        <a:solidFill>
-          <a:schemeClr val="tx1"/>
-        </a:solidFill>
-        <a:effectLst/>
-      </p:bgPr>
-    </p:bg>
     <p:spTree>
       <p:nvGrpSpPr>
         <p:cNvPr id="1" name=""/>
@@ -3390,8 +3392,8 @@
         </p:nvSpPr>
         <p:spPr bwMode="auto">
           <a:xfrm>
-            <a:off x="0" y="1071552"/>
-            <a:ext cx="9144000" cy="3785652"/>
+            <a:off x="107504" y="1131590"/>
+            <a:ext cx="9032170" cy="3046988"/>
           </a:xfrm>
           <a:prstGeom prst="rect">
             <a:avLst/>
@@ -3405,210 +3407,376 @@
           </a:ln>
         </p:spPr>
         <p:txBody>
-          <a:bodyPr>
+          <a:bodyPr wrap="square">
             <a:spAutoFit/>
           </a:bodyPr>
           <a:lstStyle/>
           <a:p>
-            <a:pPr algn="ctr"/>
             <a:r>
               <a:rPr kumimoji="0" lang="zh-TW" altLang="zh-TW" sz="4800" b="1" dirty="0" smtClean="0">
                 <a:solidFill>
-                  <a:srgbClr val="FFFF00"/>
-                </a:solidFill>
-                <a:latin typeface="標楷體" pitchFamily="65" charset="-120"/>
-                <a:ea typeface="標楷體" pitchFamily="65" charset="-120"/>
-              </a:rPr>
-              <a:t>主日學</a:t>
+                  <a:srgbClr val="FF0000"/>
+                </a:solidFill>
+                <a:latin typeface="標楷體" pitchFamily="65" charset="-120"/>
+                <a:ea typeface="標楷體" pitchFamily="65" charset="-120"/>
+              </a:rPr>
+              <a:t>主日</a:t>
+            </a:r>
+            <a:r>
+              <a:rPr kumimoji="0" lang="zh-TW" altLang="zh-TW" sz="4800" b="1" dirty="0" smtClean="0">
+                <a:solidFill>
+                  <a:srgbClr val="FF0000"/>
+                </a:solidFill>
+                <a:latin typeface="標楷體" pitchFamily="65" charset="-120"/>
+                <a:ea typeface="標楷體" pitchFamily="65" charset="-120"/>
+              </a:rPr>
+              <a:t>學</a:t>
             </a:r>
             <a:r>
               <a:rPr kumimoji="0" lang="en-US" altLang="zh-TW" sz="4800" b="1" dirty="0" smtClean="0">
                 <a:solidFill>
-                  <a:srgbClr val="FFFF00"/>
-                </a:solidFill>
-                <a:latin typeface="標楷體" pitchFamily="65" charset="-120"/>
-                <a:ea typeface="標楷體" pitchFamily="65" charset="-120"/>
-              </a:rPr>
-              <a:t>  </a:t>
+                  <a:srgbClr val="FF0000"/>
+                </a:solidFill>
+                <a:latin typeface="標楷體" pitchFamily="65" charset="-120"/>
+                <a:ea typeface="標楷體" pitchFamily="65" charset="-120"/>
+              </a:rPr>
+              <a:t> </a:t>
             </a:r>
             <a:r>
               <a:rPr kumimoji="0" lang="zh-TW" altLang="zh-TW" sz="4800" b="1" dirty="0" smtClean="0">
                 <a:solidFill>
-                  <a:srgbClr val="FFFF00"/>
-                </a:solidFill>
-                <a:latin typeface="標楷體" pitchFamily="65" charset="-120"/>
-                <a:ea typeface="標楷體" pitchFamily="65" charset="-120"/>
-              </a:rPr>
-              <a:t>主日學</a:t>
-            </a:r>
-            <a:endParaRPr kumimoji="0" lang="zh-TW" altLang="en-US" sz="4800" b="1" dirty="0">
+                  <a:srgbClr val="FF0000"/>
+                </a:solidFill>
+                <a:latin typeface="標楷體" pitchFamily="65" charset="-120"/>
+                <a:ea typeface="標楷體" pitchFamily="65" charset="-120"/>
+              </a:rPr>
+              <a:t>主</a:t>
+            </a:r>
+            <a:r>
+              <a:rPr kumimoji="0" lang="zh-TW" altLang="zh-TW" sz="4800" b="1" dirty="0" smtClean="0">
+                <a:solidFill>
+                  <a:srgbClr val="FF0000"/>
+                </a:solidFill>
+                <a:latin typeface="標楷體" pitchFamily="65" charset="-120"/>
+                <a:ea typeface="標楷體" pitchFamily="65" charset="-120"/>
+              </a:rPr>
+              <a:t>日</a:t>
+            </a:r>
+            <a:r>
+              <a:rPr kumimoji="0" lang="zh-TW" altLang="zh-TW" sz="4800" b="1" dirty="0" smtClean="0">
+                <a:solidFill>
+                  <a:srgbClr val="FF0000"/>
+                </a:solidFill>
+                <a:latin typeface="標楷體" pitchFamily="65" charset="-120"/>
+                <a:ea typeface="標楷體" pitchFamily="65" charset="-120"/>
+              </a:rPr>
+              <a:t>學</a:t>
+            </a:r>
+            <a:r>
+              <a:rPr lang="zh-TW" altLang="en-US" sz="4800" b="1" dirty="0">
+                <a:solidFill>
+                  <a:srgbClr val="FF0000"/>
+                </a:solidFill>
+                <a:latin typeface="標楷體" pitchFamily="65" charset="-120"/>
+                <a:ea typeface="標楷體" pitchFamily="65" charset="-120"/>
+              </a:rPr>
+              <a:t> </a:t>
+            </a:r>
+            <a:r>
+              <a:rPr kumimoji="0" lang="zh-TW" altLang="zh-TW" sz="4800" b="1" dirty="0" smtClean="0">
+                <a:solidFill>
+                  <a:srgbClr val="FF0000"/>
+                </a:solidFill>
+                <a:latin typeface="標楷體" pitchFamily="65" charset="-120"/>
+                <a:ea typeface="標楷體" pitchFamily="65" charset="-120"/>
+              </a:rPr>
+              <a:t>將</a:t>
+            </a:r>
+            <a:r>
+              <a:rPr kumimoji="0" lang="zh-TW" altLang="zh-TW" sz="4800" b="1" dirty="0">
+                <a:solidFill>
+                  <a:srgbClr val="FF0000"/>
+                </a:solidFill>
+                <a:latin typeface="標楷體" pitchFamily="65" charset="-120"/>
+                <a:ea typeface="標楷體" pitchFamily="65" charset="-120"/>
+              </a:rPr>
+              <a:t>聖經教導</a:t>
+            </a:r>
+            <a:r>
+              <a:rPr kumimoji="0" lang="zh-TW" altLang="zh-TW" sz="4800" b="1" dirty="0" smtClean="0">
+                <a:solidFill>
+                  <a:srgbClr val="FF0000"/>
+                </a:solidFill>
+                <a:latin typeface="標楷體" pitchFamily="65" charset="-120"/>
+                <a:ea typeface="標楷體" pitchFamily="65" charset="-120"/>
+              </a:rPr>
+              <a:t>人</a:t>
+            </a:r>
+            <a:r>
+              <a:rPr kumimoji="0" lang="en-US" altLang="zh-TW" sz="4800" b="1" dirty="0" smtClean="0">
+                <a:solidFill>
+                  <a:srgbClr val="FF0000"/>
+                </a:solidFill>
+                <a:latin typeface="標楷體" pitchFamily="65" charset="-120"/>
+                <a:ea typeface="標楷體" pitchFamily="65" charset="-120"/>
+              </a:rPr>
+              <a:t> </a:t>
+            </a:r>
+            <a:endParaRPr lang="en-US" altLang="zh-TW" sz="4800" b="1" dirty="0" smtClean="0">
               <a:solidFill>
-                <a:srgbClr val="FFFF00"/>
+                <a:srgbClr val="FF0000"/>
               </a:solidFill>
               <a:latin typeface="標楷體" pitchFamily="65" charset="-120"/>
               <a:ea typeface="標楷體" pitchFamily="65" charset="-120"/>
             </a:endParaRPr>
           </a:p>
           <a:p>
-            <a:pPr algn="ctr"/>
+            <a:r>
+              <a:rPr kumimoji="0" lang="zh-TW" altLang="zh-TW" sz="4800" b="1" dirty="0" smtClean="0">
+                <a:solidFill>
+                  <a:srgbClr val="FF0000"/>
+                </a:solidFill>
+                <a:latin typeface="標楷體" pitchFamily="65" charset="-120"/>
+                <a:ea typeface="標楷體" pitchFamily="65" charset="-120"/>
+              </a:rPr>
+              <a:t>老</a:t>
+            </a:r>
+            <a:r>
+              <a:rPr kumimoji="0" lang="zh-TW" altLang="zh-TW" sz="4800" b="1" dirty="0" smtClean="0">
+                <a:solidFill>
+                  <a:srgbClr val="FF0000"/>
+                </a:solidFill>
+                <a:latin typeface="標楷體" pitchFamily="65" charset="-120"/>
+                <a:ea typeface="標楷體" pitchFamily="65" charset="-120"/>
+              </a:rPr>
+              <a:t>年</a:t>
+            </a:r>
+            <a:r>
+              <a:rPr kumimoji="0" lang="zh-TW" altLang="zh-TW" sz="4800" b="1" dirty="0" smtClean="0">
+                <a:solidFill>
+                  <a:srgbClr val="FF0000"/>
+                </a:solidFill>
+                <a:latin typeface="標楷體" pitchFamily="65" charset="-120"/>
+                <a:ea typeface="標楷體" pitchFamily="65" charset="-120"/>
+              </a:rPr>
+              <a:t>人</a:t>
+            </a:r>
+            <a:r>
+              <a:rPr kumimoji="0" lang="en-US" altLang="zh-TW" sz="4800" b="1" dirty="0" smtClean="0">
+                <a:solidFill>
+                  <a:srgbClr val="FF0000"/>
+                </a:solidFill>
+                <a:latin typeface="標楷體" pitchFamily="65" charset="-120"/>
+                <a:ea typeface="標楷體" pitchFamily="65" charset="-120"/>
+              </a:rPr>
+              <a:t> </a:t>
+            </a:r>
+            <a:r>
+              <a:rPr kumimoji="0" lang="zh-TW" altLang="zh-TW" sz="4800" b="1" dirty="0" smtClean="0">
+                <a:solidFill>
+                  <a:srgbClr val="FF0000"/>
+                </a:solidFill>
+                <a:latin typeface="標楷體" pitchFamily="65" charset="-120"/>
+                <a:ea typeface="標楷體" pitchFamily="65" charset="-120"/>
+              </a:rPr>
+              <a:t>少</a:t>
+            </a:r>
+            <a:r>
+              <a:rPr kumimoji="0" lang="zh-TW" altLang="zh-TW" sz="4800" b="1" dirty="0" smtClean="0">
+                <a:solidFill>
+                  <a:srgbClr val="FF0000"/>
+                </a:solidFill>
+                <a:latin typeface="標楷體" pitchFamily="65" charset="-120"/>
+                <a:ea typeface="標楷體" pitchFamily="65" charset="-120"/>
+              </a:rPr>
+              <a:t>年</a:t>
+            </a:r>
+            <a:r>
+              <a:rPr kumimoji="0" lang="zh-TW" altLang="zh-TW" sz="4800" b="1" dirty="0" smtClean="0">
+                <a:solidFill>
+                  <a:srgbClr val="FF0000"/>
+                </a:solidFill>
+                <a:latin typeface="標楷體" pitchFamily="65" charset="-120"/>
+                <a:ea typeface="標楷體" pitchFamily="65" charset="-120"/>
+              </a:rPr>
+              <a:t>人</a:t>
+            </a:r>
+            <a:r>
+              <a:rPr kumimoji="0" lang="en-US" altLang="zh-TW" sz="4800" b="1" dirty="0" smtClean="0">
+                <a:solidFill>
+                  <a:srgbClr val="FF0000"/>
+                </a:solidFill>
+                <a:latin typeface="標楷體" pitchFamily="65" charset="-120"/>
+                <a:ea typeface="標楷體" pitchFamily="65" charset="-120"/>
+              </a:rPr>
+              <a:t> </a:t>
+            </a:r>
+            <a:r>
+              <a:rPr kumimoji="0" lang="zh-TW" altLang="zh-TW" sz="4800" b="1" dirty="0" smtClean="0">
+                <a:solidFill>
+                  <a:srgbClr val="FF0000"/>
+                </a:solidFill>
+                <a:latin typeface="標楷體" pitchFamily="65" charset="-120"/>
+                <a:ea typeface="標楷體" pitchFamily="65" charset="-120"/>
+              </a:rPr>
+              <a:t>來</a:t>
+            </a:r>
             <a:r>
               <a:rPr kumimoji="0" lang="zh-TW" altLang="zh-TW" sz="4800" b="1" dirty="0">
                 <a:solidFill>
-                  <a:srgbClr val="FFFF00"/>
-                </a:solidFill>
-                <a:latin typeface="標楷體" pitchFamily="65" charset="-120"/>
-                <a:ea typeface="標楷體" pitchFamily="65" charset="-120"/>
-              </a:rPr>
-              <a:t>將聖經教導</a:t>
+                  <a:srgbClr val="FF0000"/>
+                </a:solidFill>
+                <a:latin typeface="標楷體" pitchFamily="65" charset="-120"/>
+                <a:ea typeface="標楷體" pitchFamily="65" charset="-120"/>
+              </a:rPr>
+              <a:t>與真理</a:t>
             </a:r>
             <a:r>
               <a:rPr kumimoji="0" lang="zh-TW" altLang="zh-TW" sz="4800" b="1" dirty="0" smtClean="0">
                 <a:solidFill>
-                  <a:srgbClr val="FFFF00"/>
-                </a:solidFill>
-                <a:latin typeface="標楷體" pitchFamily="65" charset="-120"/>
-                <a:ea typeface="標楷體" pitchFamily="65" charset="-120"/>
-              </a:rPr>
-              <a:t>人</a:t>
-            </a:r>
-            <a:r>
-              <a:rPr kumimoji="0" lang="en-US" altLang="zh-TW" sz="4800" b="1" dirty="0" smtClean="0">
-                <a:solidFill>
-                  <a:srgbClr val="FFFF00"/>
-                </a:solidFill>
-                <a:latin typeface="標楷體" pitchFamily="65" charset="-120"/>
-                <a:ea typeface="標楷體" pitchFamily="65" charset="-120"/>
-              </a:rPr>
-              <a:t>  </a:t>
+                  <a:srgbClr val="FF0000"/>
+                </a:solidFill>
+                <a:latin typeface="標楷體" pitchFamily="65" charset="-120"/>
+                <a:ea typeface="標楷體" pitchFamily="65" charset="-120"/>
+              </a:rPr>
+              <a:t>親</a:t>
             </a:r>
             <a:r>
               <a:rPr kumimoji="0" lang="zh-TW" altLang="zh-TW" sz="4800" b="1" dirty="0" smtClean="0">
                 <a:solidFill>
-                  <a:srgbClr val="FFFF00"/>
-                </a:solidFill>
-                <a:latin typeface="標楷體" pitchFamily="65" charset="-120"/>
-                <a:ea typeface="標楷體" pitchFamily="65" charset="-120"/>
-              </a:rPr>
-              <a:t>老年人</a:t>
+                  <a:srgbClr val="FF0000"/>
+                </a:solidFill>
+                <a:latin typeface="標楷體" pitchFamily="65" charset="-120"/>
+                <a:ea typeface="標楷體" pitchFamily="65" charset="-120"/>
+              </a:rPr>
+              <a:t>近</a:t>
             </a:r>
             <a:endParaRPr lang="en-US" altLang="zh-TW" sz="4800" b="1" dirty="0">
               <a:solidFill>
-                <a:srgbClr val="FFFF00"/>
+                <a:srgbClr val="FF0000"/>
               </a:solidFill>
               <a:latin typeface="標楷體" pitchFamily="65" charset="-120"/>
               <a:ea typeface="標楷體" pitchFamily="65" charset="-120"/>
             </a:endParaRPr>
           </a:p>
           <a:p>
-            <a:pPr algn="ctr"/>
             <a:r>
               <a:rPr kumimoji="0" lang="zh-TW" altLang="zh-TW" sz="4800" b="1" dirty="0" smtClean="0">
                 <a:solidFill>
-                  <a:srgbClr val="FFFF00"/>
-                </a:solidFill>
-                <a:latin typeface="標楷體" pitchFamily="65" charset="-120"/>
-                <a:ea typeface="標楷體" pitchFamily="65" charset="-120"/>
-              </a:rPr>
-              <a:t>少年人</a:t>
+                  <a:srgbClr val="FF0000"/>
+                </a:solidFill>
+                <a:latin typeface="標楷體" pitchFamily="65" charset="-120"/>
+                <a:ea typeface="標楷體" pitchFamily="65" charset="-120"/>
+              </a:rPr>
+              <a:t>兄</a:t>
             </a:r>
             <a:r>
               <a:rPr kumimoji="0" lang="zh-TW" altLang="zh-TW" sz="4800" b="1" dirty="0">
                 <a:solidFill>
-                  <a:srgbClr val="FFFF00"/>
-                </a:solidFill>
-                <a:latin typeface="標楷體" pitchFamily="65" charset="-120"/>
-                <a:ea typeface="標楷體" pitchFamily="65" charset="-120"/>
-              </a:rPr>
-              <a:t>來與真理</a:t>
+                  <a:srgbClr val="FF0000"/>
+                </a:solidFill>
+                <a:latin typeface="標楷體" pitchFamily="65" charset="-120"/>
+                <a:ea typeface="標楷體" pitchFamily="65" charset="-120"/>
+              </a:rPr>
+              <a:t>弟妹相關</a:t>
             </a:r>
             <a:r>
               <a:rPr kumimoji="0" lang="zh-TW" altLang="zh-TW" sz="4800" b="1" dirty="0" smtClean="0">
                 <a:solidFill>
-                  <a:srgbClr val="FFFF00"/>
-                </a:solidFill>
-                <a:latin typeface="標楷體" pitchFamily="65" charset="-120"/>
-                <a:ea typeface="標楷體" pitchFamily="65" charset="-120"/>
-              </a:rPr>
-              <a:t>親近</a:t>
-            </a:r>
-            <a:endParaRPr kumimoji="0" lang="zh-TW" altLang="en-US" sz="4800" b="1" dirty="0">
+                  <a:srgbClr val="FF0000"/>
+                </a:solidFill>
+                <a:latin typeface="標楷體" pitchFamily="65" charset="-120"/>
+                <a:ea typeface="標楷體" pitchFamily="65" charset="-120"/>
+              </a:rPr>
+              <a:t>心</a:t>
+            </a:r>
+            <a:r>
+              <a:rPr kumimoji="0" lang="en-US" altLang="zh-TW" sz="4800" b="1" dirty="0" smtClean="0">
+                <a:solidFill>
+                  <a:srgbClr val="FF0000"/>
+                </a:solidFill>
+                <a:latin typeface="標楷體" pitchFamily="65" charset="-120"/>
+                <a:ea typeface="標楷體" pitchFamily="65" charset="-120"/>
+              </a:rPr>
+              <a:t> </a:t>
+            </a:r>
+            <a:r>
+              <a:rPr kumimoji="0" lang="zh-TW" altLang="zh-TW" sz="4800" b="1" dirty="0" smtClean="0">
+                <a:solidFill>
+                  <a:srgbClr val="FF0000"/>
+                </a:solidFill>
+                <a:latin typeface="標楷體" pitchFamily="65" charset="-120"/>
+                <a:ea typeface="標楷體" pitchFamily="65" charset="-120"/>
+              </a:rPr>
+              <a:t>齊</a:t>
+            </a:r>
+            <a:r>
+              <a:rPr kumimoji="0" lang="zh-TW" altLang="zh-TW" sz="4800" b="1" dirty="0">
+                <a:solidFill>
+                  <a:srgbClr val="FF0000"/>
+                </a:solidFill>
+                <a:latin typeface="標楷體" pitchFamily="65" charset="-120"/>
+                <a:ea typeface="標楷體" pitchFamily="65" charset="-120"/>
+              </a:rPr>
+              <a:t>勉勵見</a:t>
+            </a:r>
+            <a:r>
+              <a:rPr kumimoji="0" lang="zh-TW" altLang="zh-TW" sz="4800" b="1" dirty="0" smtClean="0">
+                <a:solidFill>
+                  <a:srgbClr val="FF0000"/>
+                </a:solidFill>
+                <a:latin typeface="標楷體" pitchFamily="65" charset="-120"/>
+                <a:ea typeface="標楷體" pitchFamily="65" charset="-120"/>
+              </a:rPr>
+              <a:t>真心</a:t>
+            </a:r>
+            <a:endParaRPr kumimoji="0" lang="en-US" altLang="zh-TW" sz="4800" b="1" dirty="0" smtClean="0">
               <a:solidFill>
-                <a:srgbClr val="FFFF00"/>
+                <a:srgbClr val="FF0000"/>
               </a:solidFill>
               <a:latin typeface="標楷體" pitchFamily="65" charset="-120"/>
               <a:ea typeface="標楷體" pitchFamily="65" charset="-120"/>
             </a:endParaRPr>
           </a:p>
           <a:p>
-            <a:pPr algn="ctr"/>
+            <a:r>
+              <a:rPr kumimoji="0" lang="zh-TW" altLang="zh-TW" sz="4800" b="1" dirty="0" smtClean="0">
+                <a:solidFill>
+                  <a:srgbClr val="FF0000"/>
+                </a:solidFill>
+                <a:latin typeface="標楷體" pitchFamily="65" charset="-120"/>
+                <a:ea typeface="標楷體" pitchFamily="65" charset="-120"/>
+              </a:rPr>
+              <a:t>一起</a:t>
+            </a:r>
             <a:r>
               <a:rPr kumimoji="0" lang="zh-TW" altLang="zh-TW" sz="4800" b="1" dirty="0">
                 <a:solidFill>
-                  <a:srgbClr val="FFFF00"/>
-                </a:solidFill>
-                <a:latin typeface="標楷體" pitchFamily="65" charset="-120"/>
-                <a:ea typeface="標楷體" pitchFamily="65" charset="-120"/>
-              </a:rPr>
-              <a:t>兄弟妹相關心齊勉勵見</a:t>
+                  <a:srgbClr val="FF0000"/>
+                </a:solidFill>
+                <a:latin typeface="標楷體" pitchFamily="65" charset="-120"/>
+                <a:ea typeface="標楷體" pitchFamily="65" charset="-120"/>
+              </a:rPr>
+              <a:t>哼出歡樂</a:t>
             </a:r>
             <a:r>
               <a:rPr kumimoji="0" lang="zh-TW" altLang="zh-TW" sz="4800" b="1" dirty="0" smtClean="0">
                 <a:solidFill>
-                  <a:srgbClr val="FFFF00"/>
-                </a:solidFill>
-                <a:latin typeface="標楷體" pitchFamily="65" charset="-120"/>
-                <a:ea typeface="標楷體" pitchFamily="65" charset="-120"/>
-              </a:rPr>
-              <a:t>真心</a:t>
-            </a:r>
-            <a:endParaRPr kumimoji="0" lang="en-US" altLang="zh-TW" sz="4800" b="1" dirty="0" smtClean="0">
+                  <a:srgbClr val="FF0000"/>
+                </a:solidFill>
+                <a:latin typeface="標楷體" pitchFamily="65" charset="-120"/>
+                <a:ea typeface="標楷體" pitchFamily="65" charset="-120"/>
+              </a:rPr>
+              <a:t>音韻</a:t>
+            </a:r>
+            <a:endParaRPr kumimoji="0" lang="zh-TW" altLang="en-US" sz="4800" b="1" dirty="0">
               <a:solidFill>
-                <a:srgbClr val="FFFF00"/>
+                <a:srgbClr val="FF0000"/>
               </a:solidFill>
               <a:latin typeface="標楷體" pitchFamily="65" charset="-120"/>
               <a:ea typeface="標楷體" pitchFamily="65" charset="-120"/>
             </a:endParaRPr>
           </a:p>
-          <a:p>
-            <a:pPr algn="ctr"/>
-            <a:r>
-              <a:rPr kumimoji="0" lang="zh-TW" altLang="zh-TW" sz="4800" b="1" dirty="0" smtClean="0">
-                <a:solidFill>
-                  <a:srgbClr val="FFFF00"/>
-                </a:solidFill>
-                <a:latin typeface="標楷體" pitchFamily="65" charset="-120"/>
-                <a:ea typeface="標楷體" pitchFamily="65" charset="-120"/>
-              </a:rPr>
-              <a:t>一起</a:t>
-            </a:r>
-            <a:r>
-              <a:rPr kumimoji="0" lang="zh-TW" altLang="zh-TW" sz="4800" b="1" dirty="0">
-                <a:solidFill>
-                  <a:srgbClr val="FFFF00"/>
-                </a:solidFill>
-                <a:latin typeface="標楷體" pitchFamily="65" charset="-120"/>
-                <a:ea typeface="標楷體" pitchFamily="65" charset="-120"/>
-              </a:rPr>
-              <a:t>哼出歡樂</a:t>
-            </a:r>
-            <a:r>
-              <a:rPr kumimoji="0" lang="zh-TW" altLang="zh-TW" sz="4800" b="1" dirty="0" smtClean="0">
-                <a:solidFill>
-                  <a:srgbClr val="FFFF00"/>
-                </a:solidFill>
-                <a:latin typeface="標楷體" pitchFamily="65" charset="-120"/>
-                <a:ea typeface="標楷體" pitchFamily="65" charset="-120"/>
-              </a:rPr>
-              <a:t>音韻</a:t>
-            </a:r>
-            <a:endParaRPr kumimoji="0" lang="zh-TW" altLang="en-US" sz="4800" b="1" dirty="0">
-              <a:solidFill>
-                <a:srgbClr val="FFFF00"/>
-              </a:solidFill>
-              <a:latin typeface="標楷體" pitchFamily="65" charset="-120"/>
-              <a:ea typeface="標楷體" pitchFamily="65" charset="-120"/>
-            </a:endParaRPr>
-          </a:p>
         </p:txBody>
       </p:sp>
       <p:sp>
@@ -3621,7 +3789,7 @@
         </p:nvSpPr>
         <p:spPr bwMode="auto">
           <a:xfrm>
-            <a:off x="0" y="214296"/>
+            <a:off x="-4326" y="123478"/>
             <a:ext cx="9144000" cy="769441"/>
           </a:xfrm>
           <a:prstGeom prst="rect">
@@ -3645,7 +3813,7 @@
             <a:r>
               <a:rPr lang="zh-TW" altLang="zh-TW" sz="4400" b="1" dirty="0" smtClean="0">
                 <a:solidFill>
-                  <a:srgbClr val="FFFF00"/>
+                  <a:srgbClr val="FF0000"/>
                 </a:solidFill>
                 <a:latin typeface="標楷體" pitchFamily="65" charset="-120"/>
                 <a:ea typeface="標楷體" pitchFamily="65" charset="-120"/>
@@ -3654,7 +3822,7 @@
             </a:r>
             <a:endParaRPr lang="zh-TW" altLang="en-US" sz="4400" b="1" dirty="0">
               <a:solidFill>
-                <a:srgbClr val="FFFF00"/>
+                <a:srgbClr val="FF0000"/>
               </a:solidFill>
               <a:latin typeface="標楷體" pitchFamily="65" charset="-120"/>
               <a:ea typeface="標楷體" pitchFamily="65" charset="-120"/>
@@ -3681,14 +3849,6 @@
 <file path=ppt/slides/slide2.xml><?xml version="1.0" encoding="utf-8"?>
 <p:sld xmlns:a="http://schemas.openxmlformats.org/drawingml/2006/main" xmlns:r="http://schemas.openxmlformats.org/officeDocument/2006/relationships" xmlns:p="http://schemas.openxmlformats.org/presentationml/2006/main">
   <p:cSld>
-    <p:bg>
-      <p:bgPr>
-        <a:solidFill>
-          <a:schemeClr val="tx1"/>
-        </a:solidFill>
-        <a:effectLst/>
-      </p:bgPr>
-    </p:bg>
     <p:spTree>
       <p:nvGrpSpPr>
         <p:cNvPr id="1" name=""/>
@@ -3705,7 +3865,7 @@
       </p:grpSpPr>
       <p:sp>
         <p:nvSpPr>
-          <p:cNvPr id="44034" name="Rectangle 1"/>
+          <p:cNvPr id="43010" name="矩形 1"/>
           <p:cNvSpPr>
             <a:spLocks noChangeArrowheads="1"/>
           </p:cNvSpPr>
@@ -3713,8 +3873,8 @@
         </p:nvSpPr>
         <p:spPr bwMode="auto">
           <a:xfrm>
-            <a:off x="0" y="285734"/>
-            <a:ext cx="9144000" cy="4524315"/>
+            <a:off x="0" y="1131590"/>
+            <a:ext cx="9139674" cy="2308324"/>
           </a:xfrm>
           <a:prstGeom prst="rect">
             <a:avLst/>
@@ -3728,7 +3888,7 @@
           </a:ln>
         </p:spPr>
         <p:txBody>
-          <a:bodyPr wrap="square" anchor="ctr">
+          <a:bodyPr wrap="square">
             <a:spAutoFit/>
           </a:bodyPr>
           <a:lstStyle/>
@@ -3737,12 +3897,32 @@
             <a:r>
               <a:rPr lang="zh-TW" altLang="en-US" sz="4800" b="1" dirty="0">
                 <a:solidFill>
-                  <a:srgbClr val="FFFF00"/>
-                </a:solidFill>
-                <a:latin typeface="標楷體" pitchFamily="65" charset="-120"/>
-                <a:ea typeface="標楷體" pitchFamily="65" charset="-120"/>
-              </a:rPr>
-              <a:t>願意願意願意願意</a:t>
+                  <a:srgbClr val="FF0000"/>
+                </a:solidFill>
+                <a:latin typeface="標楷體" pitchFamily="65" charset="-120"/>
+                <a:ea typeface="標楷體" pitchFamily="65" charset="-120"/>
+              </a:rPr>
+              <a:t>願</a:t>
+            </a:r>
+            <a:r>
+              <a:rPr lang="zh-TW" altLang="en-US" sz="4800" b="1" dirty="0" smtClean="0">
+                <a:solidFill>
+                  <a:srgbClr val="FF0000"/>
+                </a:solidFill>
+                <a:latin typeface="標楷體" pitchFamily="65" charset="-120"/>
+                <a:ea typeface="標楷體" pitchFamily="65" charset="-120"/>
+              </a:rPr>
+              <a:t>意 願意 願意 願</a:t>
+            </a:r>
+            <a:r>
+              <a:rPr lang="zh-TW" altLang="en-US" sz="4800" b="1" dirty="0">
+                <a:solidFill>
+                  <a:srgbClr val="FF0000"/>
+                </a:solidFill>
+                <a:latin typeface="標楷體" pitchFamily="65" charset="-120"/>
+                <a:ea typeface="標楷體" pitchFamily="65" charset="-120"/>
+              </a:rPr>
+              <a:t>意</a:t>
             </a:r>
           </a:p>
           <a:p>
@@ -3750,174 +3930,285 @@
             <a:r>
               <a:rPr lang="zh-TW" altLang="en-US" sz="4800" b="1" dirty="0">
                 <a:solidFill>
-                  <a:srgbClr val="FFFF00"/>
-                </a:solidFill>
-                <a:latin typeface="標楷體" pitchFamily="65" charset="-120"/>
-                <a:ea typeface="標楷體" pitchFamily="65" charset="-120"/>
-              </a:rPr>
-              <a:t>聽祂愛的</a:t>
-            </a:r>
-            <a:r>
-              <a:rPr lang="zh-TW" altLang="en-US" sz="4800" b="1" dirty="0" smtClean="0">
-                <a:solidFill>
-                  <a:srgbClr val="FFFF00"/>
-                </a:solidFill>
-                <a:latin typeface="標楷體" pitchFamily="65" charset="-120"/>
-                <a:ea typeface="標楷體" pitchFamily="65" charset="-120"/>
-              </a:rPr>
-              <a:t>教訓</a:t>
-            </a:r>
-            <a:endParaRPr lang="zh-TW" altLang="en-US" sz="4800" b="1" dirty="0">
+                  <a:srgbClr val="FF0000"/>
+                </a:solidFill>
+                <a:latin typeface="標楷體" pitchFamily="65" charset="-120"/>
+                <a:ea typeface="標楷體" pitchFamily="65" charset="-120"/>
+              </a:rPr>
+              <a:t>聽祂愛的教訓</a:t>
+            </a:r>
+          </a:p>
+          <a:p>
+            <a:pPr algn="ctr"/>
+            <a:r>
+              <a:rPr lang="zh-TW" altLang="en-US" sz="4800" b="1" dirty="0">
+                <a:solidFill>
+                  <a:srgbClr val="FF0000"/>
+                </a:solidFill>
+                <a:latin typeface="標楷體" pitchFamily="65" charset="-120"/>
+                <a:ea typeface="標楷體" pitchFamily="65" charset="-120"/>
+              </a:rPr>
+              <a:t>硏究聖經不了解最緊要去問</a:t>
+            </a:r>
+          </a:p>
+        </p:txBody>
+      </p:sp>
+      <p:sp>
+        <p:nvSpPr>
+          <p:cNvPr id="43011" name="矩形 2"/>
+          <p:cNvSpPr>
+            <a:spLocks noChangeArrowheads="1"/>
+          </p:cNvSpPr>
+          <p:nvPr/>
+        </p:nvSpPr>
+        <p:spPr bwMode="auto">
+          <a:xfrm>
+            <a:off x="-4326" y="123478"/>
+            <a:ext cx="9144000" cy="769441"/>
+          </a:xfrm>
+          <a:prstGeom prst="rect">
+            <a:avLst/>
+          </a:prstGeom>
+          <a:noFill/>
+          <a:ln w="9525">
+            <a:noFill/>
+            <a:miter lim="800000"/>
+            <a:headEnd/>
+            <a:tailEnd/>
+          </a:ln>
+        </p:spPr>
+        <p:txBody>
+          <a:bodyPr wrap="square">
+            <a:spAutoFit/>
+          </a:bodyPr>
+          <a:lstStyle/>
+          <a:p>
+            <a:pPr algn="ctr"/>
+            <a:r>
+              <a:rPr lang="zh-TW" altLang="zh-TW" sz="4400" b="1" dirty="0" smtClean="0">
+                <a:solidFill>
+                  <a:srgbClr val="FF0000"/>
+                </a:solidFill>
+                <a:latin typeface="標楷體" pitchFamily="65" charset="-120"/>
+                <a:ea typeface="標楷體" pitchFamily="65" charset="-120"/>
+              </a:rPr>
+              <a:t>主日學</a:t>
+            </a:r>
+            <a:endParaRPr lang="zh-TW" altLang="en-US" sz="4400" b="1" dirty="0">
               <a:solidFill>
-                <a:srgbClr val="FFFF00"/>
+                <a:srgbClr val="FF0000"/>
               </a:solidFill>
               <a:latin typeface="標楷體" pitchFamily="65" charset="-120"/>
               <a:ea typeface="標楷體" pitchFamily="65" charset="-120"/>
             </a:endParaRPr>
           </a:p>
+        </p:txBody>
+      </p:sp>
+    </p:spTree>
+    <p:extLst>
+      <p:ext uri="{BB962C8B-B14F-4D97-AF65-F5344CB8AC3E}">
+        <p14:creationId xmlns:p14="http://schemas.microsoft.com/office/powerpoint/2010/main" val="2696121007"/>
+      </p:ext>
+    </p:extLst>
+  </p:cSld>
+  <p:clrMapOvr>
+    <a:masterClrMapping/>
+  </p:clrMapOvr>
+  <p:transition/>
+  <p:timing>
+    <p:tnLst>
+      <p:par>
+        <p:cTn id="1" dur="indefinite" restart="never" nodeType="tmRoot"/>
+      </p:par>
+    </p:tnLst>
+  </p:timing>
+</p:sld>
+</file>
+
+<file path=ppt/slides/slide3.xml><?xml version="1.0" encoding="utf-8"?>
+<p:sld xmlns:a="http://schemas.openxmlformats.org/drawingml/2006/main" xmlns:r="http://schemas.openxmlformats.org/officeDocument/2006/relationships" xmlns:p="http://schemas.openxmlformats.org/presentationml/2006/main">
+  <p:cSld>
+    <p:spTree>
+      <p:nvGrpSpPr>
+        <p:cNvPr id="1" name=""/>
+        <p:cNvGrpSpPr/>
+        <p:nvPr/>
+      </p:nvGrpSpPr>
+      <p:grpSpPr>
+        <a:xfrm>
+          <a:off x="0" y="0"/>
+          <a:ext cx="0" cy="0"/>
+          <a:chOff x="0" y="0"/>
+          <a:chExt cx="0" cy="0"/>
+        </a:xfrm>
+      </p:grpSpPr>
+      <p:sp>
+        <p:nvSpPr>
+          <p:cNvPr id="43010" name="矩形 1"/>
+          <p:cNvSpPr>
+            <a:spLocks noChangeArrowheads="1"/>
+          </p:cNvSpPr>
+          <p:nvPr/>
+        </p:nvSpPr>
+        <p:spPr bwMode="auto">
+          <a:xfrm>
+            <a:off x="-4326" y="1131590"/>
+            <a:ext cx="9144000" cy="2308324"/>
+          </a:xfrm>
+          <a:prstGeom prst="rect">
+            <a:avLst/>
+          </a:prstGeom>
+          <a:noFill/>
+          <a:ln w="9525">
+            <a:noFill/>
+            <a:miter lim="800000"/>
+            <a:headEnd/>
+            <a:tailEnd/>
+          </a:ln>
+        </p:spPr>
+        <p:txBody>
+          <a:bodyPr wrap="square">
+            <a:spAutoFit/>
+          </a:bodyPr>
+          <a:lstStyle/>
           <a:p>
             <a:pPr algn="ctr"/>
             <a:r>
               <a:rPr lang="zh-TW" altLang="en-US" sz="4800" b="1" dirty="0">
                 <a:solidFill>
-                  <a:srgbClr val="FFFF00"/>
-                </a:solidFill>
-                <a:latin typeface="標楷體" pitchFamily="65" charset="-120"/>
-                <a:ea typeface="標楷體" pitchFamily="65" charset="-120"/>
-              </a:rPr>
-              <a:t>硏究聖經不了解最緊要去</a:t>
+                  <a:srgbClr val="FF0000"/>
+                </a:solidFill>
+                <a:latin typeface="標楷體" pitchFamily="65" charset="-120"/>
+                <a:ea typeface="標楷體" pitchFamily="65" charset="-120"/>
+              </a:rPr>
+              <a:t>做</a:t>
             </a:r>
             <a:r>
               <a:rPr lang="zh-TW" altLang="en-US" sz="4800" b="1" dirty="0" smtClean="0">
                 <a:solidFill>
-                  <a:srgbClr val="FFFF00"/>
-                </a:solidFill>
-                <a:latin typeface="標楷體" pitchFamily="65" charset="-120"/>
-                <a:ea typeface="標楷體" pitchFamily="65" charset="-120"/>
-              </a:rPr>
-              <a:t>問</a:t>
-            </a:r>
-            <a:endParaRPr lang="zh-TW" altLang="en-US" sz="4800" b="1" dirty="0">
+                  <a:srgbClr val="FF0000"/>
+                </a:solidFill>
+                <a:latin typeface="標楷體" pitchFamily="65" charset="-120"/>
+                <a:ea typeface="標楷體" pitchFamily="65" charset="-120"/>
+              </a:rPr>
+              <a:t>個 做個 做個 做</a:t>
+            </a:r>
+            <a:r>
+              <a:rPr lang="zh-TW" altLang="en-US" sz="4800" b="1" dirty="0">
+                <a:solidFill>
+                  <a:srgbClr val="FF0000"/>
+                </a:solidFill>
+                <a:latin typeface="標楷體" pitchFamily="65" charset="-120"/>
+                <a:ea typeface="標楷體" pitchFamily="65" charset="-120"/>
+              </a:rPr>
+              <a:t>個好學生</a:t>
+            </a:r>
+          </a:p>
+          <a:p>
+            <a:pPr algn="ctr"/>
+            <a:r>
+              <a:rPr lang="zh-TW" altLang="en-US" sz="4800" b="1" dirty="0">
+                <a:solidFill>
+                  <a:srgbClr val="FF0000"/>
+                </a:solidFill>
+                <a:latin typeface="標楷體" pitchFamily="65" charset="-120"/>
+                <a:ea typeface="標楷體" pitchFamily="65" charset="-120"/>
+              </a:rPr>
+              <a:t>遵主旨意作快樂人</a:t>
+            </a:r>
+          </a:p>
+          <a:p>
+            <a:pPr algn="ctr"/>
+            <a:r>
+              <a:rPr lang="zh-TW" altLang="en-US" sz="4800" b="1" dirty="0">
+                <a:solidFill>
+                  <a:srgbClr val="FF0000"/>
+                </a:solidFill>
+                <a:latin typeface="標楷體" pitchFamily="65" charset="-120"/>
+                <a:ea typeface="標楷體" pitchFamily="65" charset="-120"/>
+              </a:rPr>
+              <a:t>完全奉獻 </a:t>
+            </a:r>
+            <a:r>
+              <a:rPr lang="zh-TW" altLang="en-US" sz="4800" b="1" dirty="0" smtClean="0">
+                <a:solidFill>
+                  <a:srgbClr val="FF0000"/>
+                </a:solidFill>
+                <a:latin typeface="標楷體" pitchFamily="65" charset="-120"/>
+                <a:ea typeface="標楷體" pitchFamily="65" charset="-120"/>
+              </a:rPr>
+              <a:t>步</a:t>
+            </a:r>
+            <a:r>
+              <a:rPr lang="zh-TW" altLang="en-US" sz="4800" b="1" dirty="0">
+                <a:solidFill>
+                  <a:srgbClr val="FF0000"/>
+                </a:solidFill>
+                <a:latin typeface="標楷體" pitchFamily="65" charset="-120"/>
+                <a:ea typeface="標楷體" pitchFamily="65" charset="-120"/>
+              </a:rPr>
+              <a:t>向永生</a:t>
+            </a:r>
+          </a:p>
+        </p:txBody>
+      </p:sp>
+      <p:sp>
+        <p:nvSpPr>
+          <p:cNvPr id="43011" name="矩形 2"/>
+          <p:cNvSpPr>
+            <a:spLocks noChangeArrowheads="1"/>
+          </p:cNvSpPr>
+          <p:nvPr/>
+        </p:nvSpPr>
+        <p:spPr bwMode="auto">
+          <a:xfrm>
+            <a:off x="-4326" y="123478"/>
+            <a:ext cx="9144000" cy="769441"/>
+          </a:xfrm>
+          <a:prstGeom prst="rect">
+            <a:avLst/>
+          </a:prstGeom>
+          <a:noFill/>
+          <a:ln w="9525">
+            <a:noFill/>
+            <a:miter lim="800000"/>
+            <a:headEnd/>
+            <a:tailEnd/>
+          </a:ln>
+        </p:spPr>
+        <p:txBody>
+          <a:bodyPr wrap="square">
+            <a:spAutoFit/>
+          </a:bodyPr>
+          <a:lstStyle/>
+          <a:p>
+            <a:pPr algn="ctr"/>
+            <a:r>
+              <a:rPr lang="zh-TW" altLang="zh-TW" sz="4400" b="1" dirty="0" smtClean="0">
+                <a:solidFill>
+                  <a:srgbClr val="FF0000"/>
+                </a:solidFill>
+                <a:latin typeface="標楷體" pitchFamily="65" charset="-120"/>
+                <a:ea typeface="標楷體" pitchFamily="65" charset="-120"/>
+              </a:rPr>
+              <a:t>主日學</a:t>
+            </a:r>
+            <a:endParaRPr lang="zh-TW" altLang="en-US" sz="4400" b="1" dirty="0">
               <a:solidFill>
-                <a:srgbClr val="FFFF00"/>
+                <a:srgbClr val="FF0000"/>
               </a:solidFill>
               <a:latin typeface="標楷體" pitchFamily="65" charset="-120"/>
               <a:ea typeface="標楷體" pitchFamily="65" charset="-120"/>
             </a:endParaRPr>
           </a:p>
-          <a:p>
-            <a:pPr algn="ctr"/>
-            <a:r>
-              <a:rPr lang="zh-TW" altLang="en-US" sz="4800" b="1" dirty="0">
-                <a:solidFill>
-                  <a:srgbClr val="FFFF00"/>
-                </a:solidFill>
-                <a:latin typeface="標楷體" pitchFamily="65" charset="-120"/>
-                <a:ea typeface="標楷體" pitchFamily="65" charset="-120"/>
-              </a:rPr>
-              <a:t>做個做個做個做個好</a:t>
-            </a:r>
-            <a:r>
-              <a:rPr lang="zh-TW" altLang="en-US" sz="4800" b="1" dirty="0" smtClean="0">
-                <a:solidFill>
-                  <a:srgbClr val="FFFF00"/>
-                </a:solidFill>
-                <a:latin typeface="標楷體" pitchFamily="65" charset="-120"/>
-                <a:ea typeface="標楷體" pitchFamily="65" charset="-120"/>
-              </a:rPr>
-              <a:t>學生</a:t>
-            </a:r>
-            <a:endParaRPr lang="zh-TW" altLang="en-US" sz="4800" b="1" dirty="0">
-              <a:solidFill>
-                <a:srgbClr val="FFFF00"/>
-              </a:solidFill>
-              <a:latin typeface="標楷體" pitchFamily="65" charset="-120"/>
-              <a:ea typeface="標楷體" pitchFamily="65" charset="-120"/>
-            </a:endParaRPr>
-          </a:p>
-          <a:p>
-            <a:pPr algn="ctr"/>
-            <a:r>
-              <a:rPr lang="zh-TW" altLang="en-US" sz="4800" b="1" dirty="0">
-                <a:solidFill>
-                  <a:srgbClr val="FFFF00"/>
-                </a:solidFill>
-                <a:latin typeface="標楷體" pitchFamily="65" charset="-120"/>
-                <a:ea typeface="標楷體" pitchFamily="65" charset="-120"/>
-              </a:rPr>
-              <a:t>遵主旨意作快樂</a:t>
-            </a:r>
-            <a:r>
-              <a:rPr lang="zh-TW" altLang="en-US" sz="4800" b="1" dirty="0" smtClean="0">
-                <a:solidFill>
-                  <a:srgbClr val="FFFF00"/>
-                </a:solidFill>
-                <a:latin typeface="標楷體" pitchFamily="65" charset="-120"/>
-                <a:ea typeface="標楷體" pitchFamily="65" charset="-120"/>
-              </a:rPr>
-              <a:t>人</a:t>
-            </a:r>
-            <a:endParaRPr lang="zh-TW" altLang="en-US" sz="4800" b="1" dirty="0">
-              <a:solidFill>
-                <a:srgbClr val="FFFF00"/>
-              </a:solidFill>
-              <a:latin typeface="標楷體" pitchFamily="65" charset="-120"/>
-              <a:ea typeface="標楷體" pitchFamily="65" charset="-120"/>
-            </a:endParaRPr>
-          </a:p>
-          <a:p>
-            <a:pPr algn="ctr"/>
-            <a:r>
-              <a:rPr lang="zh-TW" altLang="en-US" sz="4800" b="1" dirty="0">
-                <a:solidFill>
-                  <a:srgbClr val="FFFF00"/>
-                </a:solidFill>
-                <a:latin typeface="標楷體" pitchFamily="65" charset="-120"/>
-                <a:ea typeface="標楷體" pitchFamily="65" charset="-120"/>
-              </a:rPr>
-              <a:t>完全</a:t>
-            </a:r>
-            <a:r>
-              <a:rPr lang="zh-TW" altLang="en-US" sz="4800" b="1" dirty="0" smtClean="0">
-                <a:solidFill>
-                  <a:srgbClr val="FFFF00"/>
-                </a:solidFill>
-                <a:latin typeface="標楷體" pitchFamily="65" charset="-120"/>
-                <a:ea typeface="標楷體" pitchFamily="65" charset="-120"/>
-              </a:rPr>
-              <a:t>奉獻  步</a:t>
-            </a:r>
-            <a:r>
-              <a:rPr lang="zh-TW" altLang="en-US" sz="4800" b="1" dirty="0">
-                <a:solidFill>
-                  <a:srgbClr val="FFFF00"/>
-                </a:solidFill>
-                <a:latin typeface="標楷體" pitchFamily="65" charset="-120"/>
-                <a:ea typeface="標楷體" pitchFamily="65" charset="-120"/>
-              </a:rPr>
-              <a:t>向</a:t>
-            </a:r>
-            <a:r>
-              <a:rPr lang="zh-TW" altLang="en-US" sz="4800" b="1" dirty="0" smtClean="0">
-                <a:solidFill>
-                  <a:srgbClr val="FFFF00"/>
-                </a:solidFill>
-                <a:latin typeface="標楷體" pitchFamily="65" charset="-120"/>
-                <a:ea typeface="標楷體" pitchFamily="65" charset="-120"/>
-              </a:rPr>
-              <a:t>永生</a:t>
-            </a:r>
-            <a:endParaRPr lang="zh-TW" altLang="en-US" sz="4800" b="1" dirty="0">
-              <a:solidFill>
-                <a:srgbClr val="FFFF00"/>
-              </a:solidFill>
-              <a:latin typeface="標楷體" pitchFamily="65" charset="-120"/>
-              <a:ea typeface="標楷體" pitchFamily="65" charset="-120"/>
-            </a:endParaRPr>
-          </a:p>
         </p:txBody>
       </p:sp>
     </p:spTree>
+    <p:extLst>
+      <p:ext uri="{BB962C8B-B14F-4D97-AF65-F5344CB8AC3E}">
+        <p14:creationId xmlns:p14="http://schemas.microsoft.com/office/powerpoint/2010/main" val="638720006"/>
+      </p:ext>
+    </p:extLst>
   </p:cSld>
   <p:clrMapOvr>
     <a:masterClrMapping/>

--- a/主日學.pptx
+++ b/主日學.pptx
@@ -108,7 +108,7 @@
   </p:defaultTextStyle>
   <p:extLst>
     <p:ext uri="{EFAFB233-063F-42B5-8137-9DF3F51BA10A}">
-      <p15:sldGuideLst xmlns:p15="http://schemas.microsoft.com/office/powerpoint/2012/main">
+      <p15:sldGuideLst xmlns="" xmlns:p15="http://schemas.microsoft.com/office/powerpoint/2012/main">
         <p15:guide id="1" orient="horz" pos="1620">
           <p15:clr>
             <a:srgbClr val="A4A3A4"/>
@@ -311,7 +311,7 @@
             <a:fld id="{F8415DE4-45F4-4501-8227-F87075D8ACFD}" type="datetimeFigureOut">
               <a:rPr lang="zh-TW" altLang="en-US" smtClean="0"/>
               <a:pPr/>
-              <a:t>2020/1/4</a:t>
+              <a:t>2020/3/8</a:t>
             </a:fld>
             <a:endParaRPr lang="zh-TW" altLang="en-US"/>
           </a:p>
@@ -490,7 +490,7 @@
             <a:fld id="{F8415DE4-45F4-4501-8227-F87075D8ACFD}" type="datetimeFigureOut">
               <a:rPr lang="zh-TW" altLang="en-US" smtClean="0"/>
               <a:pPr/>
-              <a:t>2020/1/4</a:t>
+              <a:t>2020/3/8</a:t>
             </a:fld>
             <a:endParaRPr lang="zh-TW" altLang="en-US"/>
           </a:p>
@@ -679,7 +679,7 @@
             <a:fld id="{F8415DE4-45F4-4501-8227-F87075D8ACFD}" type="datetimeFigureOut">
               <a:rPr lang="zh-TW" altLang="en-US" smtClean="0"/>
               <a:pPr/>
-              <a:t>2020/1/4</a:t>
+              <a:t>2020/3/8</a:t>
             </a:fld>
             <a:endParaRPr lang="zh-TW" altLang="en-US"/>
           </a:p>
@@ -858,7 +858,7 @@
             <a:fld id="{F8415DE4-45F4-4501-8227-F87075D8ACFD}" type="datetimeFigureOut">
               <a:rPr lang="zh-TW" altLang="en-US" smtClean="0"/>
               <a:pPr/>
-              <a:t>2020/1/4</a:t>
+              <a:t>2020/3/8</a:t>
             </a:fld>
             <a:endParaRPr lang="zh-TW" altLang="en-US"/>
           </a:p>
@@ -1113,7 +1113,7 @@
             <a:fld id="{F8415DE4-45F4-4501-8227-F87075D8ACFD}" type="datetimeFigureOut">
               <a:rPr lang="zh-TW" altLang="en-US" smtClean="0"/>
               <a:pPr/>
-              <a:t>2020/1/4</a:t>
+              <a:t>2020/3/8</a:t>
             </a:fld>
             <a:endParaRPr lang="zh-TW" altLang="en-US"/>
           </a:p>
@@ -1410,7 +1410,7 @@
             <a:fld id="{F8415DE4-45F4-4501-8227-F87075D8ACFD}" type="datetimeFigureOut">
               <a:rPr lang="zh-TW" altLang="en-US" smtClean="0"/>
               <a:pPr/>
-              <a:t>2020/1/4</a:t>
+              <a:t>2020/3/8</a:t>
             </a:fld>
             <a:endParaRPr lang="zh-TW" altLang="en-US"/>
           </a:p>
@@ -1841,7 +1841,7 @@
             <a:fld id="{F8415DE4-45F4-4501-8227-F87075D8ACFD}" type="datetimeFigureOut">
               <a:rPr lang="zh-TW" altLang="en-US" smtClean="0"/>
               <a:pPr/>
-              <a:t>2020/1/4</a:t>
+              <a:t>2020/3/8</a:t>
             </a:fld>
             <a:endParaRPr lang="zh-TW" altLang="en-US"/>
           </a:p>
@@ -1968,7 +1968,7 @@
             <a:fld id="{F8415DE4-45F4-4501-8227-F87075D8ACFD}" type="datetimeFigureOut">
               <a:rPr lang="zh-TW" altLang="en-US" smtClean="0"/>
               <a:pPr/>
-              <a:t>2020/1/4</a:t>
+              <a:t>2020/3/8</a:t>
             </a:fld>
             <a:endParaRPr lang="zh-TW" altLang="en-US"/>
           </a:p>
@@ -2072,7 +2072,7 @@
             <a:fld id="{F8415DE4-45F4-4501-8227-F87075D8ACFD}" type="datetimeFigureOut">
               <a:rPr lang="zh-TW" altLang="en-US" smtClean="0"/>
               <a:pPr/>
-              <a:t>2020/1/4</a:t>
+              <a:t>2020/3/8</a:t>
             </a:fld>
             <a:endParaRPr lang="zh-TW" altLang="en-US"/>
           </a:p>
@@ -2358,7 +2358,7 @@
             <a:fld id="{F8415DE4-45F4-4501-8227-F87075D8ACFD}" type="datetimeFigureOut">
               <a:rPr lang="zh-TW" altLang="en-US" smtClean="0"/>
               <a:pPr/>
-              <a:t>2020/1/4</a:t>
+              <a:t>2020/3/8</a:t>
             </a:fld>
             <a:endParaRPr lang="zh-TW" altLang="en-US"/>
           </a:p>
@@ -2627,7 +2627,7 @@
             <a:fld id="{F8415DE4-45F4-4501-8227-F87075D8ACFD}" type="datetimeFigureOut">
               <a:rPr lang="zh-TW" altLang="en-US" smtClean="0"/>
               <a:pPr/>
-              <a:t>2020/1/4</a:t>
+              <a:t>2020/3/8</a:t>
             </a:fld>
             <a:endParaRPr lang="zh-TW" altLang="en-US"/>
           </a:p>
@@ -2876,7 +2876,7 @@
             <a:fld id="{F8415DE4-45F4-4501-8227-F87075D8ACFD}" type="datetimeFigureOut">
               <a:rPr lang="zh-TW" altLang="en-US" smtClean="0"/>
               <a:pPr/>
-              <a:t>2020/1/4</a:t>
+              <a:t>2020/3/8</a:t>
             </a:fld>
             <a:endParaRPr lang="zh-TW" altLang="en-US"/>
           </a:p>
@@ -3420,17 +3420,7 @@
                 <a:latin typeface="標楷體" pitchFamily="65" charset="-120"/>
                 <a:ea typeface="標楷體" pitchFamily="65" charset="-120"/>
               </a:rPr>
-              <a:t>主日</a:t>
-            </a:r>
-            <a:r>
-              <a:rPr kumimoji="0" lang="zh-TW" altLang="zh-TW" sz="4800" b="1" dirty="0" smtClean="0">
-                <a:solidFill>
-                  <a:srgbClr val="FF0000"/>
-                </a:solidFill>
-                <a:latin typeface="標楷體" pitchFamily="65" charset="-120"/>
-                <a:ea typeface="標楷體" pitchFamily="65" charset="-120"/>
-              </a:rPr>
-              <a:t>學</a:t>
+              <a:t>主日學</a:t>
             </a:r>
             <a:r>
               <a:rPr kumimoji="0" lang="en-US" altLang="zh-TW" sz="4800" b="1" dirty="0" smtClean="0">
@@ -3450,27 +3440,7 @@
                 <a:latin typeface="標楷體" pitchFamily="65" charset="-120"/>
                 <a:ea typeface="標楷體" pitchFamily="65" charset="-120"/>
               </a:rPr>
-              <a:t>主</a:t>
-            </a:r>
-            <a:r>
-              <a:rPr kumimoji="0" lang="zh-TW" altLang="zh-TW" sz="4800" b="1" dirty="0" smtClean="0">
-                <a:solidFill>
-                  <a:srgbClr val="FF0000"/>
-                </a:solidFill>
-                <a:latin typeface="標楷體" pitchFamily="65" charset="-120"/>
-                <a:ea typeface="標楷體" pitchFamily="65" charset="-120"/>
-              </a:rPr>
-              <a:t>日</a:t>
-            </a:r>
-            <a:r>
-              <a:rPr kumimoji="0" lang="zh-TW" altLang="zh-TW" sz="4800" b="1" dirty="0" smtClean="0">
-                <a:solidFill>
-                  <a:srgbClr val="FF0000"/>
-                </a:solidFill>
-                <a:latin typeface="標楷體" pitchFamily="65" charset="-120"/>
-                <a:ea typeface="標楷體" pitchFamily="65" charset="-120"/>
-              </a:rPr>
-              <a:t>學</a:t>
+              <a:t>主日學</a:t>
             </a:r>
             <a:r>
               <a:rPr lang="zh-TW" altLang="en-US" sz="4800" b="1" dirty="0">
@@ -3539,27 +3509,7 @@
                 <a:latin typeface="標楷體" pitchFamily="65" charset="-120"/>
                 <a:ea typeface="標楷體" pitchFamily="65" charset="-120"/>
               </a:rPr>
-              <a:t>老</a:t>
-            </a:r>
-            <a:r>
-              <a:rPr kumimoji="0" lang="zh-TW" altLang="zh-TW" sz="4800" b="1" dirty="0" smtClean="0">
-                <a:solidFill>
-                  <a:srgbClr val="FF0000"/>
-                </a:solidFill>
-                <a:latin typeface="標楷體" pitchFamily="65" charset="-120"/>
-                <a:ea typeface="標楷體" pitchFamily="65" charset="-120"/>
-              </a:rPr>
-              <a:t>年</a:t>
-            </a:r>
-            <a:r>
-              <a:rPr kumimoji="0" lang="zh-TW" altLang="zh-TW" sz="4800" b="1" dirty="0" smtClean="0">
-                <a:solidFill>
-                  <a:srgbClr val="FF0000"/>
-                </a:solidFill>
-                <a:latin typeface="標楷體" pitchFamily="65" charset="-120"/>
-                <a:ea typeface="標楷體" pitchFamily="65" charset="-120"/>
-              </a:rPr>
-              <a:t>人</a:t>
+              <a:t>老年人</a:t>
             </a:r>
             <a:r>
               <a:rPr kumimoji="0" lang="en-US" altLang="zh-TW" sz="4800" b="1" dirty="0" smtClean="0">
@@ -3579,27 +3529,7 @@
                 <a:latin typeface="標楷體" pitchFamily="65" charset="-120"/>
                 <a:ea typeface="標楷體" pitchFamily="65" charset="-120"/>
               </a:rPr>
-              <a:t>少</a:t>
-            </a:r>
-            <a:r>
-              <a:rPr kumimoji="0" lang="zh-TW" altLang="zh-TW" sz="4800" b="1" dirty="0" smtClean="0">
-                <a:solidFill>
-                  <a:srgbClr val="FF0000"/>
-                </a:solidFill>
-                <a:latin typeface="標楷體" pitchFamily="65" charset="-120"/>
-                <a:ea typeface="標楷體" pitchFamily="65" charset="-120"/>
-              </a:rPr>
-              <a:t>年</a:t>
-            </a:r>
-            <a:r>
-              <a:rPr kumimoji="0" lang="zh-TW" altLang="zh-TW" sz="4800" b="1" dirty="0" smtClean="0">
-                <a:solidFill>
-                  <a:srgbClr val="FF0000"/>
-                </a:solidFill>
-                <a:latin typeface="標楷體" pitchFamily="65" charset="-120"/>
-                <a:ea typeface="標楷體" pitchFamily="65" charset="-120"/>
-              </a:rPr>
-              <a:t>人</a:t>
+              <a:t>少年人</a:t>
             </a:r>
             <a:r>
               <a:rPr kumimoji="0" lang="en-US" altLang="zh-TW" sz="4800" b="1" dirty="0" smtClean="0">
@@ -3639,17 +3569,7 @@
                 <a:latin typeface="標楷體" pitchFamily="65" charset="-120"/>
                 <a:ea typeface="標楷體" pitchFamily="65" charset="-120"/>
               </a:rPr>
-              <a:t>親</a:t>
-            </a:r>
-            <a:r>
-              <a:rPr kumimoji="0" lang="zh-TW" altLang="zh-TW" sz="4800" b="1" dirty="0" smtClean="0">
-                <a:solidFill>
-                  <a:srgbClr val="FF0000"/>
-                </a:solidFill>
-                <a:latin typeface="標楷體" pitchFamily="65" charset="-120"/>
-                <a:ea typeface="標楷體" pitchFamily="65" charset="-120"/>
-              </a:rPr>
-              <a:t>近</a:t>
+              <a:t>親近</a:t>
             </a:r>
             <a:endParaRPr lang="en-US" altLang="zh-TW" sz="4800" b="1" dirty="0">
               <a:solidFill>
@@ -4007,7 +3927,7 @@
     </p:spTree>
     <p:extLst>
       <p:ext uri="{BB962C8B-B14F-4D97-AF65-F5344CB8AC3E}">
-        <p14:creationId xmlns:p14="http://schemas.microsoft.com/office/powerpoint/2010/main" val="2696121007"/>
+        <p14:creationId xmlns="" xmlns:p14="http://schemas.microsoft.com/office/powerpoint/2010/main" val="2696121007"/>
       </p:ext>
     </p:extLst>
   </p:cSld>
@@ -4206,7 +4126,7 @@
     </p:spTree>
     <p:extLst>
       <p:ext uri="{BB962C8B-B14F-4D97-AF65-F5344CB8AC3E}">
-        <p14:creationId xmlns:p14="http://schemas.microsoft.com/office/powerpoint/2010/main" val="638720006"/>
+        <p14:creationId xmlns="" xmlns:p14="http://schemas.microsoft.com/office/powerpoint/2010/main" val="638720006"/>
       </p:ext>
     </p:extLst>
   </p:cSld>
